--- a/Media/sunnyHome Plakat.pptx
+++ b/Media/sunnyHome Plakat.pptx
@@ -6,9 +6,6 @@
   </p:sldMasterIdLst>
   <p:sldIdLst>
     <p:sldId id="257" r:id="rId2"/>
-    <p:sldId id="258" r:id="rId3"/>
-    <p:sldId id="259" r:id="rId4"/>
-    <p:sldId id="260" r:id="rId5"/>
   </p:sldIdLst>
   <p:sldSz cx="30275213" cy="21383625"/>
   <p:notesSz cx="6858000" cy="9144000"/>
@@ -198,13 +195,6 @@
   <p:clrMapOvr>
     <a:masterClrMapping/>
   </p:clrMapOvr>
-  <p:timing>
-    <p:tnLst>
-      <p:par>
-        <p:cTn id="1" dur="indefinite" restart="never" nodeType="tmRoot"/>
-      </p:par>
-    </p:tnLst>
-  </p:timing>
 </p:sldLayout>
 </file>
 
@@ -265,13 +255,6 @@
   <p:clrMapOvr>
     <a:masterClrMapping/>
   </p:clrMapOvr>
-  <p:timing>
-    <p:tnLst>
-      <p:par>
-        <p:cTn id="1" dur="indefinite" restart="never" nodeType="tmRoot"/>
-      </p:par>
-    </p:tnLst>
-  </p:timing>
 </p:sldLayout>
 </file>
 
@@ -332,13 +315,6 @@
   <p:clrMapOvr>
     <a:masterClrMapping/>
   </p:clrMapOvr>
-  <p:timing>
-    <p:tnLst>
-      <p:par>
-        <p:cTn id="1" dur="indefinite" restart="never" nodeType="tmRoot"/>
-      </p:par>
-    </p:tnLst>
-  </p:timing>
 </p:sldLayout>
 </file>
 
@@ -399,13 +375,6 @@
   <p:clrMapOvr>
     <a:masterClrMapping/>
   </p:clrMapOvr>
-  <p:timing>
-    <p:tnLst>
-      <p:par>
-        <p:cTn id="1" dur="indefinite" restart="never" nodeType="tmRoot"/>
-      </p:par>
-    </p:tnLst>
-  </p:timing>
 </p:sldLayout>
 </file>
 
@@ -457,7 +426,7 @@
           <a:lstStyle/>
           <a:p>
             <a:r>
-              <a:rPr kumimoji="0" lang="de-DE" sz="7800" b="0" i="0" u="none" strike="noStrike" kern="1200" cap="none" spc="0" normalizeH="0" baseline="0" noProof="0" dirty="0" smtClean="0">
+              <a:rPr kumimoji="0" lang="de-DE" sz="7800" b="0" i="0" u="none" strike="noStrike" kern="1200" cap="none" spc="0" normalizeH="0" baseline="0" noProof="0" dirty="0">
                 <a:ln>
                   <a:noFill/>
                 </a:ln>
@@ -500,7 +469,7 @@
           <a:lstStyle/>
           <a:p>
             <a:r>
-              <a:rPr lang="de-DE" sz="4400" dirty="0" smtClean="0">
+              <a:rPr lang="de-DE" sz="4400" dirty="0">
                 <a:solidFill>
                   <a:schemeClr val="bg1">
                     <a:alpha val="60000"/>
@@ -510,7 +479,7 @@
               <a:t>Untertitel</a:t>
             </a:r>
             <a:r>
-              <a:rPr lang="de-DE" sz="4400" baseline="0" dirty="0" smtClean="0">
+              <a:rPr lang="de-DE" sz="4400" baseline="0" dirty="0">
                 <a:solidFill>
                   <a:schemeClr val="bg1">
                     <a:alpha val="60000"/>
@@ -553,7 +522,7 @@
           <a:p>
             <a:pPr algn="r"/>
             <a:r>
-              <a:rPr lang="de-DE" sz="3200" dirty="0" smtClean="0">
+              <a:rPr lang="de-DE" sz="3200" dirty="0">
                 <a:solidFill>
                   <a:schemeClr val="bg1"/>
                 </a:solidFill>
@@ -561,7 +530,7 @@
               <a:t>DIPLOMARBEIT</a:t>
             </a:r>
             <a:r>
-              <a:rPr lang="de-DE" sz="3200" baseline="0" dirty="0" smtClean="0">
+              <a:rPr lang="de-DE" sz="3200" baseline="0" dirty="0">
                 <a:solidFill>
                   <a:schemeClr val="bg1"/>
                 </a:solidFill>
@@ -630,7 +599,7 @@
           <a:p>
             <a:pPr algn="r"/>
             <a:r>
-              <a:rPr lang="de-DE" sz="3200" dirty="0" smtClean="0">
+              <a:rPr lang="de-DE" sz="3200" dirty="0">
                 <a:solidFill>
                   <a:schemeClr val="bg1">
                     <a:alpha val="60000"/>
@@ -639,13 +608,6 @@
               </a:rPr>
               <a:t>KLASSE</a:t>
             </a:r>
-            <a:endParaRPr lang="de-DE" sz="3200" dirty="0">
-              <a:solidFill>
-                <a:schemeClr val="bg1">
-                  <a:alpha val="60000"/>
-                </a:schemeClr>
-              </a:solidFill>
-            </a:endParaRPr>
           </a:p>
         </p:txBody>
       </p:sp>
@@ -673,18 +635,13 @@
           <a:p>
             <a:pPr algn="l"/>
             <a:r>
-              <a:rPr lang="de-DE" sz="3200" dirty="0" smtClean="0">
+              <a:rPr lang="de-DE" sz="3200" dirty="0">
                 <a:solidFill>
                   <a:schemeClr val="bg1"/>
                 </a:solidFill>
               </a:rPr>
               <a:t>5 ABCH</a:t>
             </a:r>
-            <a:endParaRPr lang="de-DE" sz="3200" dirty="0">
-              <a:solidFill>
-                <a:schemeClr val="bg1"/>
-              </a:solidFill>
-            </a:endParaRPr>
           </a:p>
         </p:txBody>
       </p:sp>
@@ -712,7 +669,7 @@
           <a:p>
             <a:pPr algn="r"/>
             <a:r>
-              <a:rPr lang="de-DE" sz="3200" dirty="0" smtClean="0">
+              <a:rPr lang="de-DE" sz="3200" dirty="0">
                 <a:solidFill>
                   <a:schemeClr val="bg1">
                     <a:alpha val="60000"/>
@@ -721,13 +678,6 @@
               </a:rPr>
               <a:t>BETREUER</a:t>
             </a:r>
-            <a:endParaRPr lang="de-DE" sz="3200" dirty="0">
-              <a:solidFill>
-                <a:schemeClr val="bg1">
-                  <a:alpha val="60000"/>
-                </a:schemeClr>
-              </a:solidFill>
-            </a:endParaRPr>
           </a:p>
         </p:txBody>
       </p:sp>
@@ -755,7 +705,7 @@
           <a:p>
             <a:pPr algn="l"/>
             <a:r>
-              <a:rPr lang="de-DE" sz="3200" smtClean="0">
+              <a:rPr lang="de-DE" sz="3200">
                 <a:solidFill>
                   <a:schemeClr val="bg1"/>
                 </a:solidFill>
@@ -794,7 +744,7 @@
           <a:p>
             <a:pPr algn="r"/>
             <a:r>
-              <a:rPr lang="de-DE" sz="3200" smtClean="0">
+              <a:rPr lang="de-DE" sz="3200">
                 <a:solidFill>
                   <a:schemeClr val="bg1">
                     <a:alpha val="60000"/>
@@ -837,7 +787,7 @@
           <a:p>
             <a:pPr algn="l"/>
             <a:r>
-              <a:rPr lang="de-DE" sz="3200" dirty="0" smtClean="0">
+              <a:rPr lang="de-DE" sz="3200" dirty="0">
                 <a:solidFill>
                   <a:schemeClr val="bg1"/>
                 </a:solidFill>
@@ -845,7 +795,7 @@
               <a:t>Johann</a:t>
             </a:r>
             <a:r>
-              <a:rPr lang="de-DE" sz="3200" baseline="0" dirty="0" smtClean="0">
+              <a:rPr lang="de-DE" sz="3200" baseline="0" dirty="0">
                 <a:solidFill>
                   <a:schemeClr val="bg1"/>
                 </a:solidFill>
@@ -856,7 +806,7 @@
           <a:p>
             <a:pPr algn="l"/>
             <a:r>
-              <a:rPr lang="de-DE" sz="3200" baseline="0" dirty="0" smtClean="0">
+              <a:rPr lang="de-DE" sz="3200" baseline="0" dirty="0">
                 <a:solidFill>
                   <a:schemeClr val="bg1"/>
                 </a:solidFill>
@@ -867,7 +817,7 @@
           <a:p>
             <a:pPr algn="l"/>
             <a:r>
-              <a:rPr lang="de-DE" sz="3200" baseline="0" dirty="0" smtClean="0">
+              <a:rPr lang="de-DE" sz="3200" baseline="0" dirty="0">
                 <a:solidFill>
                   <a:schemeClr val="bg1"/>
                 </a:solidFill>
@@ -896,13 +846,6 @@
     <p:sldLayoutId id="2147483665" r:id="rId3"/>
     <p:sldLayoutId id="2147483666" r:id="rId4"/>
   </p:sldLayoutIdLst>
-  <p:timing>
-    <p:tnLst>
-      <p:par>
-        <p:cTn id="1" dur="indefinite" restart="never" nodeType="tmRoot"/>
-      </p:par>
-    </p:tnLst>
-  </p:timing>
   <p:txStyles>
     <p:titleStyle>
       <a:lvl1pPr marL="0" marR="0" indent="0" algn="l" defTabSz="2851191" rtl="0" eaLnBrk="1" fontAlgn="auto" latinLnBrk="0" hangingPunct="1">
@@ -1295,13 +1238,13 @@
           </a:lstStyle>
           <a:p>
             <a:r>
-              <a:rPr lang="de-DE" sz="7800" smtClean="0">
+              <a:rPr lang="de-DE" sz="7800" dirty="0">
                 <a:solidFill>
                   <a:prstClr val="white"/>
                 </a:solidFill>
                 <a:latin typeface="Arial" panose="020B0604020202020204"/>
               </a:rPr>
-              <a:t>PROJEKTNAME</a:t>
+              <a:t>sunnyHOME</a:t>
             </a:r>
             <a:endParaRPr lang="en-US" dirty="0"/>
           </a:p>
@@ -1330,7 +1273,7 @@
           <a:lstStyle/>
           <a:p>
             <a:r>
-              <a:rPr lang="de-DE" sz="4400" dirty="0" smtClean="0">
+              <a:rPr lang="de-DE" sz="4400" dirty="0">
                 <a:solidFill>
                   <a:schemeClr val="bg1">
                     <a:alpha val="60000"/>
@@ -1340,7 +1283,7 @@
               <a:t>Untertitel</a:t>
             </a:r>
             <a:r>
-              <a:rPr lang="de-DE" sz="4400" baseline="0" dirty="0" smtClean="0">
+              <a:rPr lang="de-DE" sz="4400" baseline="0" dirty="0">
                 <a:solidFill>
                   <a:schemeClr val="bg1">
                     <a:alpha val="60000"/>
@@ -1413,7 +1356,7 @@
           <a:p>
             <a:pPr algn="r"/>
             <a:r>
-              <a:rPr lang="de-DE" sz="3200" dirty="0" smtClean="0">
+              <a:rPr lang="de-DE" sz="3200" dirty="0">
                 <a:solidFill>
                   <a:schemeClr val="bg1"/>
                 </a:solidFill>
@@ -1421,12 +1364,12 @@
               <a:t>DIPLOMARBEIT</a:t>
             </a:r>
             <a:r>
-              <a:rPr lang="de-DE" sz="3200" baseline="0" dirty="0" smtClean="0">
+              <a:rPr lang="de-DE" sz="3200" baseline="0" dirty="0">
                 <a:solidFill>
                   <a:schemeClr val="bg1"/>
                 </a:solidFill>
               </a:rPr>
-              <a:t>  2016/17</a:t>
+              <a:t>  2018/19</a:t>
             </a:r>
             <a:endParaRPr lang="de-DE" sz="3200" dirty="0">
               <a:solidFill>
@@ -1460,7 +1403,7 @@
           <a:p>
             <a:pPr algn="r"/>
             <a:r>
-              <a:rPr lang="de-DE" sz="3200" dirty="0" smtClean="0">
+              <a:rPr lang="de-DE" sz="3200" dirty="0">
                 <a:solidFill>
                   <a:schemeClr val="bg1">
                     <a:alpha val="60000"/>
@@ -1469,13 +1412,6 @@
               </a:rPr>
               <a:t>KLASSE</a:t>
             </a:r>
-            <a:endParaRPr lang="de-DE" sz="3200" dirty="0">
-              <a:solidFill>
-                <a:schemeClr val="bg1">
-                  <a:alpha val="60000"/>
-                </a:schemeClr>
-              </a:solidFill>
-            </a:endParaRPr>
           </a:p>
         </p:txBody>
       </p:sp>
@@ -1503,18 +1439,13 @@
           <a:p>
             <a:pPr algn="l"/>
             <a:r>
-              <a:rPr lang="de-DE" sz="3200" dirty="0" smtClean="0">
+              <a:rPr lang="de-DE" sz="3200" dirty="0">
                 <a:solidFill>
                   <a:schemeClr val="bg1"/>
                 </a:solidFill>
               </a:rPr>
-              <a:t>5 ABCH</a:t>
-            </a:r>
-            <a:endParaRPr lang="de-DE" sz="3200" dirty="0">
-              <a:solidFill>
-                <a:schemeClr val="bg1"/>
-              </a:solidFill>
-            </a:endParaRPr>
+              <a:t>5 BHELS</a:t>
+            </a:r>
           </a:p>
         </p:txBody>
       </p:sp>
@@ -1542,7 +1473,7 @@
           <a:p>
             <a:pPr algn="r"/>
             <a:r>
-              <a:rPr lang="de-DE" sz="3200" dirty="0" smtClean="0">
+              <a:rPr lang="de-DE" sz="3200" dirty="0">
                 <a:solidFill>
                   <a:schemeClr val="bg1">
                     <a:alpha val="60000"/>
@@ -1551,13 +1482,6 @@
               </a:rPr>
               <a:t>BETREUER</a:t>
             </a:r>
-            <a:endParaRPr lang="de-DE" sz="3200" dirty="0">
-              <a:solidFill>
-                <a:schemeClr val="bg1">
-                  <a:alpha val="60000"/>
-                </a:schemeClr>
-              </a:solidFill>
-            </a:endParaRPr>
           </a:p>
         </p:txBody>
       </p:sp>
@@ -1585,12 +1509,20 @@
           <a:p>
             <a:pPr algn="l"/>
             <a:r>
-              <a:rPr lang="de-DE" sz="3200" smtClean="0">
+              <a:rPr lang="de-DE" sz="3200" dirty="0">
                 <a:solidFill>
                   <a:schemeClr val="bg1"/>
                 </a:solidFill>
               </a:rPr>
-              <a:t>DI Franz Gruber</a:t>
+              <a:t>Roland </a:t>
+            </a:r>
+            <a:r>
+              <a:rPr lang="de-DE" sz="3200" dirty="0" err="1">
+                <a:solidFill>
+                  <a:schemeClr val="bg1"/>
+                </a:solidFill>
+              </a:rPr>
+              <a:t>Sageder</a:t>
             </a:r>
             <a:endParaRPr lang="de-DE" sz="3200" dirty="0">
               <a:solidFill>
@@ -1624,7 +1556,7 @@
           <a:p>
             <a:pPr algn="r"/>
             <a:r>
-              <a:rPr lang="de-DE" sz="3200" smtClean="0">
+              <a:rPr lang="de-DE" sz="3200">
                 <a:solidFill>
                   <a:schemeClr val="bg1">
                     <a:alpha val="60000"/>
@@ -1652,7 +1584,7 @@
         <p:spPr>
           <a:xfrm>
             <a:off x="25065040" y="19160636"/>
-            <a:ext cx="4348160" cy="1477328"/>
+            <a:ext cx="4348160" cy="492443"/>
           </a:xfrm>
           <a:prstGeom prst="rect">
             <a:avLst/>
@@ -1667,51 +1599,46 @@
           <a:p>
             <a:pPr algn="l"/>
             <a:r>
-              <a:rPr lang="de-DE" sz="3200" dirty="0" smtClean="0">
+              <a:rPr lang="de-DE" sz="3200" dirty="0">
                 <a:solidFill>
                   <a:schemeClr val="bg1"/>
                 </a:solidFill>
               </a:rPr>
-              <a:t>Johann</a:t>
-            </a:r>
-            <a:r>
-              <a:rPr lang="de-DE" sz="3200" baseline="0" dirty="0" smtClean="0">
-                <a:solidFill>
-                  <a:schemeClr val="bg1"/>
-                </a:solidFill>
-              </a:rPr>
-              <a:t> Langernachname</a:t>
-            </a:r>
-          </a:p>
-          <a:p>
-            <a:pPr algn="l"/>
-            <a:r>
-              <a:rPr lang="de-DE" sz="3200" baseline="0" dirty="0" smtClean="0">
-                <a:solidFill>
-                  <a:schemeClr val="bg1"/>
-                </a:solidFill>
-              </a:rPr>
-              <a:t>Michaela Maier</a:t>
-            </a:r>
-          </a:p>
-          <a:p>
-            <a:pPr algn="l"/>
-            <a:r>
-              <a:rPr lang="de-DE" sz="3200" baseline="0" dirty="0" smtClean="0">
-                <a:solidFill>
-                  <a:schemeClr val="bg1"/>
-                </a:solidFill>
-              </a:rPr>
-              <a:t>Johanna Huber</a:t>
-            </a:r>
-            <a:endParaRPr lang="de-DE" sz="3200" dirty="0">
-              <a:solidFill>
-                <a:schemeClr val="bg1"/>
-              </a:solidFill>
-            </a:endParaRPr>
+              <a:t>Andreas Herz</a:t>
+            </a:r>
           </a:p>
         </p:txBody>
       </p:sp>
+      <p:pic>
+        <p:nvPicPr>
+          <p:cNvPr id="3" name="Grafik 2">
+            <a:extLst>
+              <a:ext uri="{FF2B5EF4-FFF2-40B4-BE49-F238E27FC236}">
+                <a16:creationId xmlns:a16="http://schemas.microsoft.com/office/drawing/2014/main" id="{B2D6B0D2-A5DC-416A-98F5-2319465B6564}"/>
+              </a:ext>
+            </a:extLst>
+          </p:cNvPr>
+          <p:cNvPicPr>
+            <a:picLocks noChangeAspect="1"/>
+          </p:cNvPicPr>
+          <p:nvPr/>
+        </p:nvPicPr>
+        <p:blipFill>
+          <a:blip r:embed="rId3"/>
+          <a:stretch>
+            <a:fillRect/>
+          </a:stretch>
+        </p:blipFill>
+        <p:spPr>
+          <a:xfrm>
+            <a:off x="16603324" y="2240497"/>
+            <a:ext cx="12360952" cy="7825667"/>
+          </a:xfrm>
+          <a:prstGeom prst="rect">
+            <a:avLst/>
+          </a:prstGeom>
+        </p:spPr>
+      </p:pic>
     </p:spTree>
     <p:extLst>
       <p:ext uri="{BB962C8B-B14F-4D97-AF65-F5344CB8AC3E}">
@@ -1722,1522 +1649,6 @@
   <p:clrMapOvr>
     <a:masterClrMapping/>
   </p:clrMapOvr>
-  <p:timing>
-    <p:tnLst>
-      <p:par>
-        <p:cTn id="1" dur="indefinite" restart="never" nodeType="tmRoot"/>
-      </p:par>
-    </p:tnLst>
-  </p:timing>
-</p:sld>
-</file>
-
-<file path=ppt/slides/slide2.xml><?xml version="1.0" encoding="utf-8"?>
-<p:sld xmlns:a="http://schemas.openxmlformats.org/drawingml/2006/main" xmlns:r="http://schemas.openxmlformats.org/officeDocument/2006/relationships" xmlns:p="http://schemas.openxmlformats.org/presentationml/2006/main">
-  <p:cSld>
-    <p:spTree>
-      <p:nvGrpSpPr>
-        <p:cNvPr id="1" name=""/>
-        <p:cNvGrpSpPr/>
-        <p:nvPr/>
-      </p:nvGrpSpPr>
-      <p:grpSpPr>
-        <a:xfrm>
-          <a:off x="0" y="0"/>
-          <a:ext cx="0" cy="0"/>
-          <a:chOff x="0" y="0"/>
-          <a:chExt cx="0" cy="0"/>
-        </a:xfrm>
-      </p:grpSpPr>
-      <p:sp>
-        <p:nvSpPr>
-          <p:cNvPr id="9" name="Title Placeholder 1"/>
-          <p:cNvSpPr txBox="1">
-            <a:spLocks/>
-          </p:cNvSpPr>
-          <p:nvPr/>
-        </p:nvSpPr>
-        <p:spPr>
-          <a:xfrm>
-            <a:off x="1095375" y="1009650"/>
-            <a:ext cx="20799425" cy="1080271"/>
-          </a:xfrm>
-          <a:prstGeom prst="rect">
-            <a:avLst/>
-          </a:prstGeom>
-        </p:spPr>
-        <p:txBody>
-          <a:bodyPr vert="horz" lIns="0" tIns="0" rIns="0" bIns="0" rtlCol="0" anchor="t" anchorCtr="0">
-            <a:normAutofit/>
-          </a:bodyPr>
-          <a:lstStyle>
-            <a:lvl1pPr marL="0" marR="0" indent="0" algn="l" defTabSz="2851191" rtl="0" eaLnBrk="1" fontAlgn="auto" latinLnBrk="0" hangingPunct="1">
-              <a:lnSpc>
-                <a:spcPct val="90000"/>
-              </a:lnSpc>
-              <a:spcBef>
-                <a:spcPct val="0"/>
-              </a:spcBef>
-              <a:spcAft>
-                <a:spcPts val="0"/>
-              </a:spcAft>
-              <a:buClrTx/>
-              <a:buSzTx/>
-              <a:buFontTx/>
-              <a:buNone/>
-              <a:tabLst/>
-              <a:defRPr sz="13720" kern="1200">
-                <a:solidFill>
-                  <a:schemeClr val="tx1"/>
-                </a:solidFill>
-                <a:latin typeface="+mj-lt"/>
-                <a:ea typeface="+mj-ea"/>
-                <a:cs typeface="+mj-cs"/>
-              </a:defRPr>
-            </a:lvl1pPr>
-          </a:lstStyle>
-          <a:p>
-            <a:r>
-              <a:rPr lang="de-DE" sz="7800" smtClean="0">
-                <a:solidFill>
-                  <a:prstClr val="white"/>
-                </a:solidFill>
-                <a:latin typeface="Arial" panose="020B0604020202020204"/>
-              </a:rPr>
-              <a:t>PROJEKTNAME</a:t>
-            </a:r>
-            <a:endParaRPr lang="en-US" dirty="0"/>
-          </a:p>
-        </p:txBody>
-      </p:sp>
-      <p:sp>
-        <p:nvSpPr>
-          <p:cNvPr id="10" name="Textfeld 9"/>
-          <p:cNvSpPr txBox="1"/>
-          <p:nvPr/>
-        </p:nvSpPr>
-        <p:spPr>
-          <a:xfrm>
-            <a:off x="1095375" y="1969886"/>
-            <a:ext cx="10156825" cy="1358756"/>
-          </a:xfrm>
-          <a:prstGeom prst="rect">
-            <a:avLst/>
-          </a:prstGeom>
-          <a:noFill/>
-        </p:spPr>
-        <p:txBody>
-          <a:bodyPr wrap="square" lIns="0" tIns="0" rIns="0" bIns="0" rtlCol="0">
-            <a:spAutoFit/>
-          </a:bodyPr>
-          <a:lstStyle/>
-          <a:p>
-            <a:r>
-              <a:rPr lang="de-DE" sz="4400" dirty="0" smtClean="0">
-                <a:solidFill>
-                  <a:schemeClr val="bg1">
-                    <a:alpha val="60000"/>
-                  </a:schemeClr>
-                </a:solidFill>
-              </a:rPr>
-              <a:t>Untertitel</a:t>
-            </a:r>
-            <a:r>
-              <a:rPr lang="de-DE" sz="4400" baseline="0" dirty="0" smtClean="0">
-                <a:solidFill>
-                  <a:schemeClr val="bg1">
-                    <a:alpha val="60000"/>
-                  </a:schemeClr>
-                </a:solidFill>
-              </a:rPr>
-              <a:t> für das Projekt, der auch über zwei Zeilen gehen kann</a:t>
-            </a:r>
-            <a:endParaRPr lang="de-DE" sz="4400" dirty="0">
-              <a:solidFill>
-                <a:schemeClr val="bg1">
-                  <a:alpha val="60000"/>
-                </a:schemeClr>
-              </a:solidFill>
-            </a:endParaRPr>
-          </a:p>
-        </p:txBody>
-      </p:sp>
-      <p:pic>
-        <p:nvPicPr>
-          <p:cNvPr id="11" name="Bild 10"/>
-          <p:cNvPicPr>
-            <a:picLocks noChangeAspect="1"/>
-          </p:cNvPicPr>
-          <p:nvPr/>
-        </p:nvPicPr>
-        <p:blipFill>
-          <a:blip r:embed="rId2">
-            <a:extLst>
-              <a:ext uri="{28A0092B-C50C-407E-A947-70E740481C1C}">
-                <a14:useLocalDpi xmlns:a14="http://schemas.microsoft.com/office/drawing/2010/main"/>
-              </a:ext>
-            </a:extLst>
-          </a:blip>
-          <a:stretch>
-            <a:fillRect/>
-          </a:stretch>
-        </p:blipFill>
-        <p:spPr>
-          <a:xfrm>
-            <a:off x="1095374" y="19113090"/>
-            <a:ext cx="2130425" cy="1152935"/>
-          </a:xfrm>
-          <a:prstGeom prst="rect">
-            <a:avLst/>
-          </a:prstGeom>
-        </p:spPr>
-      </p:pic>
-      <p:sp>
-        <p:nvSpPr>
-          <p:cNvPr id="12" name="Textfeld 11"/>
-          <p:cNvSpPr txBox="1"/>
-          <p:nvPr/>
-        </p:nvSpPr>
-        <p:spPr>
-          <a:xfrm>
-            <a:off x="22580600" y="1079500"/>
-            <a:ext cx="6599238" cy="492443"/>
-          </a:xfrm>
-          <a:prstGeom prst="rect">
-            <a:avLst/>
-          </a:prstGeom>
-          <a:noFill/>
-        </p:spPr>
-        <p:txBody>
-          <a:bodyPr wrap="square" lIns="0" tIns="0" rIns="0" bIns="0" rtlCol="0">
-            <a:spAutoFit/>
-          </a:bodyPr>
-          <a:lstStyle/>
-          <a:p>
-            <a:pPr algn="r"/>
-            <a:r>
-              <a:rPr lang="de-DE" sz="3200" dirty="0" smtClean="0">
-                <a:solidFill>
-                  <a:schemeClr val="bg1"/>
-                </a:solidFill>
-              </a:rPr>
-              <a:t>DIPLOMARBEIT</a:t>
-            </a:r>
-            <a:r>
-              <a:rPr lang="de-DE" sz="3200" baseline="0" dirty="0" smtClean="0">
-                <a:solidFill>
-                  <a:schemeClr val="bg1"/>
-                </a:solidFill>
-              </a:rPr>
-              <a:t>  2016/17</a:t>
-            </a:r>
-            <a:endParaRPr lang="de-DE" sz="3200" dirty="0">
-              <a:solidFill>
-                <a:schemeClr val="bg1"/>
-              </a:solidFill>
-            </a:endParaRPr>
-          </a:p>
-        </p:txBody>
-      </p:sp>
-      <p:sp>
-        <p:nvSpPr>
-          <p:cNvPr id="13" name="Textfeld 12"/>
-          <p:cNvSpPr txBox="1"/>
-          <p:nvPr/>
-        </p:nvSpPr>
-        <p:spPr>
-          <a:xfrm>
-            <a:off x="22783800" y="18140731"/>
-            <a:ext cx="2027446" cy="492443"/>
-          </a:xfrm>
-          <a:prstGeom prst="rect">
-            <a:avLst/>
-          </a:prstGeom>
-          <a:noFill/>
-        </p:spPr>
-        <p:txBody>
-          <a:bodyPr wrap="square" lIns="0" tIns="0" rIns="0" bIns="0" rtlCol="0">
-            <a:spAutoFit/>
-          </a:bodyPr>
-          <a:lstStyle/>
-          <a:p>
-            <a:pPr algn="r"/>
-            <a:r>
-              <a:rPr lang="de-DE" sz="3200" dirty="0" smtClean="0">
-                <a:solidFill>
-                  <a:schemeClr val="bg1">
-                    <a:alpha val="60000"/>
-                  </a:schemeClr>
-                </a:solidFill>
-              </a:rPr>
-              <a:t>KLASSE</a:t>
-            </a:r>
-            <a:endParaRPr lang="de-DE" sz="3200" dirty="0">
-              <a:solidFill>
-                <a:schemeClr val="bg1">
-                  <a:alpha val="60000"/>
-                </a:schemeClr>
-              </a:solidFill>
-            </a:endParaRPr>
-          </a:p>
-        </p:txBody>
-      </p:sp>
-      <p:sp>
-        <p:nvSpPr>
-          <p:cNvPr id="14" name="Textfeld 13"/>
-          <p:cNvSpPr txBox="1"/>
-          <p:nvPr/>
-        </p:nvSpPr>
-        <p:spPr>
-          <a:xfrm>
-            <a:off x="25065040" y="18140730"/>
-            <a:ext cx="2027446" cy="492443"/>
-          </a:xfrm>
-          <a:prstGeom prst="rect">
-            <a:avLst/>
-          </a:prstGeom>
-          <a:noFill/>
-        </p:spPr>
-        <p:txBody>
-          <a:bodyPr wrap="square" lIns="0" tIns="0" rIns="0" bIns="0" rtlCol="0">
-            <a:spAutoFit/>
-          </a:bodyPr>
-          <a:lstStyle/>
-          <a:p>
-            <a:pPr algn="l"/>
-            <a:r>
-              <a:rPr lang="de-DE" sz="3200" dirty="0" smtClean="0">
-                <a:solidFill>
-                  <a:schemeClr val="bg1"/>
-                </a:solidFill>
-              </a:rPr>
-              <a:t>5 ABCH</a:t>
-            </a:r>
-            <a:endParaRPr lang="de-DE" sz="3200" dirty="0">
-              <a:solidFill>
-                <a:schemeClr val="bg1"/>
-              </a:solidFill>
-            </a:endParaRPr>
-          </a:p>
-        </p:txBody>
-      </p:sp>
-      <p:sp>
-        <p:nvSpPr>
-          <p:cNvPr id="15" name="Textfeld 14"/>
-          <p:cNvSpPr txBox="1"/>
-          <p:nvPr/>
-        </p:nvSpPr>
-        <p:spPr>
-          <a:xfrm>
-            <a:off x="22783800" y="18650685"/>
-            <a:ext cx="2027446" cy="492443"/>
-          </a:xfrm>
-          <a:prstGeom prst="rect">
-            <a:avLst/>
-          </a:prstGeom>
-          <a:noFill/>
-        </p:spPr>
-        <p:txBody>
-          <a:bodyPr wrap="square" lIns="0" tIns="0" rIns="0" bIns="0" rtlCol="0">
-            <a:spAutoFit/>
-          </a:bodyPr>
-          <a:lstStyle/>
-          <a:p>
-            <a:pPr algn="r"/>
-            <a:r>
-              <a:rPr lang="de-DE" sz="3200" dirty="0" smtClean="0">
-                <a:solidFill>
-                  <a:schemeClr val="bg1">
-                    <a:alpha val="60000"/>
-                  </a:schemeClr>
-                </a:solidFill>
-              </a:rPr>
-              <a:t>BETREUER</a:t>
-            </a:r>
-            <a:endParaRPr lang="de-DE" sz="3200" dirty="0">
-              <a:solidFill>
-                <a:schemeClr val="bg1">
-                  <a:alpha val="60000"/>
-                </a:schemeClr>
-              </a:solidFill>
-            </a:endParaRPr>
-          </a:p>
-        </p:txBody>
-      </p:sp>
-      <p:sp>
-        <p:nvSpPr>
-          <p:cNvPr id="16" name="Textfeld 15"/>
-          <p:cNvSpPr txBox="1"/>
-          <p:nvPr/>
-        </p:nvSpPr>
-        <p:spPr>
-          <a:xfrm>
-            <a:off x="25065039" y="18650684"/>
-            <a:ext cx="3566527" cy="492443"/>
-          </a:xfrm>
-          <a:prstGeom prst="rect">
-            <a:avLst/>
-          </a:prstGeom>
-          <a:noFill/>
-        </p:spPr>
-        <p:txBody>
-          <a:bodyPr wrap="square" lIns="0" tIns="0" rIns="0" bIns="0" rtlCol="0">
-            <a:spAutoFit/>
-          </a:bodyPr>
-          <a:lstStyle/>
-          <a:p>
-            <a:pPr algn="l"/>
-            <a:r>
-              <a:rPr lang="de-DE" sz="3200" smtClean="0">
-                <a:solidFill>
-                  <a:schemeClr val="bg1"/>
-                </a:solidFill>
-              </a:rPr>
-              <a:t>DI Franz Gruber</a:t>
-            </a:r>
-            <a:endParaRPr lang="de-DE" sz="3200" dirty="0">
-              <a:solidFill>
-                <a:schemeClr val="bg1"/>
-              </a:solidFill>
-            </a:endParaRPr>
-          </a:p>
-        </p:txBody>
-      </p:sp>
-      <p:sp>
-        <p:nvSpPr>
-          <p:cNvPr id="17" name="Textfeld 16"/>
-          <p:cNvSpPr txBox="1"/>
-          <p:nvPr/>
-        </p:nvSpPr>
-        <p:spPr>
-          <a:xfrm>
-            <a:off x="21691600" y="19160637"/>
-            <a:ext cx="3119646" cy="492443"/>
-          </a:xfrm>
-          <a:prstGeom prst="rect">
-            <a:avLst/>
-          </a:prstGeom>
-          <a:noFill/>
-        </p:spPr>
-        <p:txBody>
-          <a:bodyPr wrap="square" lIns="0" tIns="0" rIns="0" bIns="0" rtlCol="0">
-            <a:spAutoFit/>
-          </a:bodyPr>
-          <a:lstStyle/>
-          <a:p>
-            <a:pPr algn="r"/>
-            <a:r>
-              <a:rPr lang="de-DE" sz="3200" smtClean="0">
-                <a:solidFill>
-                  <a:schemeClr val="bg1">
-                    <a:alpha val="60000"/>
-                  </a:schemeClr>
-                </a:solidFill>
-              </a:rPr>
-              <a:t>PROJEKTANTEN</a:t>
-            </a:r>
-            <a:endParaRPr lang="de-DE" sz="3200" dirty="0">
-              <a:solidFill>
-                <a:schemeClr val="bg1">
-                  <a:alpha val="60000"/>
-                </a:schemeClr>
-              </a:solidFill>
-            </a:endParaRPr>
-          </a:p>
-        </p:txBody>
-      </p:sp>
-      <p:sp>
-        <p:nvSpPr>
-          <p:cNvPr id="18" name="Textfeld 17"/>
-          <p:cNvSpPr txBox="1"/>
-          <p:nvPr/>
-        </p:nvSpPr>
-        <p:spPr>
-          <a:xfrm>
-            <a:off x="25065040" y="19160636"/>
-            <a:ext cx="4348160" cy="1477328"/>
-          </a:xfrm>
-          <a:prstGeom prst="rect">
-            <a:avLst/>
-          </a:prstGeom>
-          <a:noFill/>
-        </p:spPr>
-        <p:txBody>
-          <a:bodyPr wrap="square" lIns="0" tIns="0" rIns="0" bIns="0" rtlCol="0">
-            <a:spAutoFit/>
-          </a:bodyPr>
-          <a:lstStyle/>
-          <a:p>
-            <a:pPr algn="l"/>
-            <a:r>
-              <a:rPr lang="de-DE" sz="3200" dirty="0" smtClean="0">
-                <a:solidFill>
-                  <a:schemeClr val="bg1"/>
-                </a:solidFill>
-              </a:rPr>
-              <a:t>Johann</a:t>
-            </a:r>
-            <a:r>
-              <a:rPr lang="de-DE" sz="3200" baseline="0" dirty="0" smtClean="0">
-                <a:solidFill>
-                  <a:schemeClr val="bg1"/>
-                </a:solidFill>
-              </a:rPr>
-              <a:t> Langernachname</a:t>
-            </a:r>
-          </a:p>
-          <a:p>
-            <a:pPr algn="l"/>
-            <a:r>
-              <a:rPr lang="de-DE" sz="3200" baseline="0" dirty="0" smtClean="0">
-                <a:solidFill>
-                  <a:schemeClr val="bg1"/>
-                </a:solidFill>
-              </a:rPr>
-              <a:t>Michaela Maier</a:t>
-            </a:r>
-          </a:p>
-          <a:p>
-            <a:pPr algn="l"/>
-            <a:r>
-              <a:rPr lang="de-DE" sz="3200" baseline="0" dirty="0" smtClean="0">
-                <a:solidFill>
-                  <a:schemeClr val="bg1"/>
-                </a:solidFill>
-              </a:rPr>
-              <a:t>Johanna Huber</a:t>
-            </a:r>
-            <a:endParaRPr lang="de-DE" sz="3200" dirty="0">
-              <a:solidFill>
-                <a:schemeClr val="bg1"/>
-              </a:solidFill>
-            </a:endParaRPr>
-          </a:p>
-        </p:txBody>
-      </p:sp>
-    </p:spTree>
-    <p:extLst>
-      <p:ext uri="{BB962C8B-B14F-4D97-AF65-F5344CB8AC3E}">
-        <p14:creationId xmlns:p14="http://schemas.microsoft.com/office/powerpoint/2010/main" val="1956908978"/>
-      </p:ext>
-    </p:extLst>
-  </p:cSld>
-  <p:clrMapOvr>
-    <a:masterClrMapping/>
-  </p:clrMapOvr>
-  <p:timing>
-    <p:tnLst>
-      <p:par>
-        <p:cTn id="1" dur="indefinite" restart="never" nodeType="tmRoot"/>
-      </p:par>
-    </p:tnLst>
-  </p:timing>
-</p:sld>
-</file>
-
-<file path=ppt/slides/slide3.xml><?xml version="1.0" encoding="utf-8"?>
-<p:sld xmlns:a="http://schemas.openxmlformats.org/drawingml/2006/main" xmlns:r="http://schemas.openxmlformats.org/officeDocument/2006/relationships" xmlns:p="http://schemas.openxmlformats.org/presentationml/2006/main">
-  <p:cSld>
-    <p:spTree>
-      <p:nvGrpSpPr>
-        <p:cNvPr id="1" name=""/>
-        <p:cNvGrpSpPr/>
-        <p:nvPr/>
-      </p:nvGrpSpPr>
-      <p:grpSpPr>
-        <a:xfrm>
-          <a:off x="0" y="0"/>
-          <a:ext cx="0" cy="0"/>
-          <a:chOff x="0" y="0"/>
-          <a:chExt cx="0" cy="0"/>
-        </a:xfrm>
-      </p:grpSpPr>
-      <p:sp>
-        <p:nvSpPr>
-          <p:cNvPr id="9" name="Title Placeholder 1"/>
-          <p:cNvSpPr txBox="1">
-            <a:spLocks/>
-          </p:cNvSpPr>
-          <p:nvPr/>
-        </p:nvSpPr>
-        <p:spPr>
-          <a:xfrm>
-            <a:off x="1095375" y="1009650"/>
-            <a:ext cx="20799425" cy="1080271"/>
-          </a:xfrm>
-          <a:prstGeom prst="rect">
-            <a:avLst/>
-          </a:prstGeom>
-        </p:spPr>
-        <p:txBody>
-          <a:bodyPr vert="horz" lIns="0" tIns="0" rIns="0" bIns="0" rtlCol="0" anchor="t" anchorCtr="0">
-            <a:normAutofit/>
-          </a:bodyPr>
-          <a:lstStyle>
-            <a:lvl1pPr marL="0" marR="0" indent="0" algn="l" defTabSz="2851191" rtl="0" eaLnBrk="1" fontAlgn="auto" latinLnBrk="0" hangingPunct="1">
-              <a:lnSpc>
-                <a:spcPct val="90000"/>
-              </a:lnSpc>
-              <a:spcBef>
-                <a:spcPct val="0"/>
-              </a:spcBef>
-              <a:spcAft>
-                <a:spcPts val="0"/>
-              </a:spcAft>
-              <a:buClrTx/>
-              <a:buSzTx/>
-              <a:buFontTx/>
-              <a:buNone/>
-              <a:tabLst/>
-              <a:defRPr sz="13720" kern="1200">
-                <a:solidFill>
-                  <a:schemeClr val="tx1"/>
-                </a:solidFill>
-                <a:latin typeface="+mj-lt"/>
-                <a:ea typeface="+mj-ea"/>
-                <a:cs typeface="+mj-cs"/>
-              </a:defRPr>
-            </a:lvl1pPr>
-          </a:lstStyle>
-          <a:p>
-            <a:r>
-              <a:rPr lang="de-DE" sz="7800" smtClean="0">
-                <a:solidFill>
-                  <a:prstClr val="white"/>
-                </a:solidFill>
-                <a:latin typeface="Arial" panose="020B0604020202020204"/>
-              </a:rPr>
-              <a:t>PROJEKTNAME</a:t>
-            </a:r>
-            <a:endParaRPr lang="en-US" dirty="0"/>
-          </a:p>
-        </p:txBody>
-      </p:sp>
-      <p:sp>
-        <p:nvSpPr>
-          <p:cNvPr id="10" name="Textfeld 9"/>
-          <p:cNvSpPr txBox="1"/>
-          <p:nvPr/>
-        </p:nvSpPr>
-        <p:spPr>
-          <a:xfrm>
-            <a:off x="1095375" y="1969886"/>
-            <a:ext cx="10156825" cy="1358756"/>
-          </a:xfrm>
-          <a:prstGeom prst="rect">
-            <a:avLst/>
-          </a:prstGeom>
-          <a:noFill/>
-        </p:spPr>
-        <p:txBody>
-          <a:bodyPr wrap="square" lIns="0" tIns="0" rIns="0" bIns="0" rtlCol="0">
-            <a:spAutoFit/>
-          </a:bodyPr>
-          <a:lstStyle/>
-          <a:p>
-            <a:r>
-              <a:rPr lang="de-DE" sz="4400" dirty="0" smtClean="0">
-                <a:solidFill>
-                  <a:schemeClr val="bg1">
-                    <a:alpha val="60000"/>
-                  </a:schemeClr>
-                </a:solidFill>
-              </a:rPr>
-              <a:t>Untertitel</a:t>
-            </a:r>
-            <a:r>
-              <a:rPr lang="de-DE" sz="4400" baseline="0" dirty="0" smtClean="0">
-                <a:solidFill>
-                  <a:schemeClr val="bg1">
-                    <a:alpha val="60000"/>
-                  </a:schemeClr>
-                </a:solidFill>
-              </a:rPr>
-              <a:t> für das Projekt, der auch über zwei Zeilen gehen kann</a:t>
-            </a:r>
-            <a:endParaRPr lang="de-DE" sz="4400" dirty="0">
-              <a:solidFill>
-                <a:schemeClr val="bg1">
-                  <a:alpha val="60000"/>
-                </a:schemeClr>
-              </a:solidFill>
-            </a:endParaRPr>
-          </a:p>
-        </p:txBody>
-      </p:sp>
-      <p:pic>
-        <p:nvPicPr>
-          <p:cNvPr id="11" name="Bild 10"/>
-          <p:cNvPicPr>
-            <a:picLocks noChangeAspect="1"/>
-          </p:cNvPicPr>
-          <p:nvPr/>
-        </p:nvPicPr>
-        <p:blipFill>
-          <a:blip r:embed="rId2">
-            <a:extLst>
-              <a:ext uri="{28A0092B-C50C-407E-A947-70E740481C1C}">
-                <a14:useLocalDpi xmlns:a14="http://schemas.microsoft.com/office/drawing/2010/main"/>
-              </a:ext>
-            </a:extLst>
-          </a:blip>
-          <a:stretch>
-            <a:fillRect/>
-          </a:stretch>
-        </p:blipFill>
-        <p:spPr>
-          <a:xfrm>
-            <a:off x="1095374" y="19113090"/>
-            <a:ext cx="2130425" cy="1152935"/>
-          </a:xfrm>
-          <a:prstGeom prst="rect">
-            <a:avLst/>
-          </a:prstGeom>
-        </p:spPr>
-      </p:pic>
-      <p:sp>
-        <p:nvSpPr>
-          <p:cNvPr id="12" name="Textfeld 11"/>
-          <p:cNvSpPr txBox="1"/>
-          <p:nvPr/>
-        </p:nvSpPr>
-        <p:spPr>
-          <a:xfrm>
-            <a:off x="22580600" y="1079500"/>
-            <a:ext cx="6599238" cy="492443"/>
-          </a:xfrm>
-          <a:prstGeom prst="rect">
-            <a:avLst/>
-          </a:prstGeom>
-          <a:noFill/>
-        </p:spPr>
-        <p:txBody>
-          <a:bodyPr wrap="square" lIns="0" tIns="0" rIns="0" bIns="0" rtlCol="0">
-            <a:spAutoFit/>
-          </a:bodyPr>
-          <a:lstStyle/>
-          <a:p>
-            <a:pPr algn="r"/>
-            <a:r>
-              <a:rPr lang="de-DE" sz="3200" dirty="0" smtClean="0">
-                <a:solidFill>
-                  <a:schemeClr val="bg1"/>
-                </a:solidFill>
-              </a:rPr>
-              <a:t>DIPLOMARBEIT</a:t>
-            </a:r>
-            <a:r>
-              <a:rPr lang="de-DE" sz="3200" baseline="0" dirty="0" smtClean="0">
-                <a:solidFill>
-                  <a:schemeClr val="bg1"/>
-                </a:solidFill>
-              </a:rPr>
-              <a:t>  2016/17</a:t>
-            </a:r>
-            <a:endParaRPr lang="de-DE" sz="3200" dirty="0">
-              <a:solidFill>
-                <a:schemeClr val="bg1"/>
-              </a:solidFill>
-            </a:endParaRPr>
-          </a:p>
-        </p:txBody>
-      </p:sp>
-      <p:sp>
-        <p:nvSpPr>
-          <p:cNvPr id="13" name="Textfeld 12"/>
-          <p:cNvSpPr txBox="1"/>
-          <p:nvPr/>
-        </p:nvSpPr>
-        <p:spPr>
-          <a:xfrm>
-            <a:off x="22783800" y="18140731"/>
-            <a:ext cx="2027446" cy="492443"/>
-          </a:xfrm>
-          <a:prstGeom prst="rect">
-            <a:avLst/>
-          </a:prstGeom>
-          <a:noFill/>
-        </p:spPr>
-        <p:txBody>
-          <a:bodyPr wrap="square" lIns="0" tIns="0" rIns="0" bIns="0" rtlCol="0">
-            <a:spAutoFit/>
-          </a:bodyPr>
-          <a:lstStyle/>
-          <a:p>
-            <a:pPr algn="r"/>
-            <a:r>
-              <a:rPr lang="de-DE" sz="3200" dirty="0" smtClean="0">
-                <a:solidFill>
-                  <a:schemeClr val="bg1">
-                    <a:alpha val="60000"/>
-                  </a:schemeClr>
-                </a:solidFill>
-              </a:rPr>
-              <a:t>KLASSE</a:t>
-            </a:r>
-            <a:endParaRPr lang="de-DE" sz="3200" dirty="0">
-              <a:solidFill>
-                <a:schemeClr val="bg1">
-                  <a:alpha val="60000"/>
-                </a:schemeClr>
-              </a:solidFill>
-            </a:endParaRPr>
-          </a:p>
-        </p:txBody>
-      </p:sp>
-      <p:sp>
-        <p:nvSpPr>
-          <p:cNvPr id="14" name="Textfeld 13"/>
-          <p:cNvSpPr txBox="1"/>
-          <p:nvPr/>
-        </p:nvSpPr>
-        <p:spPr>
-          <a:xfrm>
-            <a:off x="25065040" y="18140730"/>
-            <a:ext cx="2027446" cy="492443"/>
-          </a:xfrm>
-          <a:prstGeom prst="rect">
-            <a:avLst/>
-          </a:prstGeom>
-          <a:noFill/>
-        </p:spPr>
-        <p:txBody>
-          <a:bodyPr wrap="square" lIns="0" tIns="0" rIns="0" bIns="0" rtlCol="0">
-            <a:spAutoFit/>
-          </a:bodyPr>
-          <a:lstStyle/>
-          <a:p>
-            <a:pPr algn="l"/>
-            <a:r>
-              <a:rPr lang="de-DE" sz="3200" dirty="0" smtClean="0">
-                <a:solidFill>
-                  <a:schemeClr val="bg1"/>
-                </a:solidFill>
-              </a:rPr>
-              <a:t>5 ABCH</a:t>
-            </a:r>
-            <a:endParaRPr lang="de-DE" sz="3200" dirty="0">
-              <a:solidFill>
-                <a:schemeClr val="bg1"/>
-              </a:solidFill>
-            </a:endParaRPr>
-          </a:p>
-        </p:txBody>
-      </p:sp>
-      <p:sp>
-        <p:nvSpPr>
-          <p:cNvPr id="15" name="Textfeld 14"/>
-          <p:cNvSpPr txBox="1"/>
-          <p:nvPr/>
-        </p:nvSpPr>
-        <p:spPr>
-          <a:xfrm>
-            <a:off x="22783800" y="18650685"/>
-            <a:ext cx="2027446" cy="492443"/>
-          </a:xfrm>
-          <a:prstGeom prst="rect">
-            <a:avLst/>
-          </a:prstGeom>
-          <a:noFill/>
-        </p:spPr>
-        <p:txBody>
-          <a:bodyPr wrap="square" lIns="0" tIns="0" rIns="0" bIns="0" rtlCol="0">
-            <a:spAutoFit/>
-          </a:bodyPr>
-          <a:lstStyle/>
-          <a:p>
-            <a:pPr algn="r"/>
-            <a:r>
-              <a:rPr lang="de-DE" sz="3200" dirty="0" smtClean="0">
-                <a:solidFill>
-                  <a:schemeClr val="bg1">
-                    <a:alpha val="60000"/>
-                  </a:schemeClr>
-                </a:solidFill>
-              </a:rPr>
-              <a:t>BETREUER</a:t>
-            </a:r>
-            <a:endParaRPr lang="de-DE" sz="3200" dirty="0">
-              <a:solidFill>
-                <a:schemeClr val="bg1">
-                  <a:alpha val="60000"/>
-                </a:schemeClr>
-              </a:solidFill>
-            </a:endParaRPr>
-          </a:p>
-        </p:txBody>
-      </p:sp>
-      <p:sp>
-        <p:nvSpPr>
-          <p:cNvPr id="16" name="Textfeld 15"/>
-          <p:cNvSpPr txBox="1"/>
-          <p:nvPr/>
-        </p:nvSpPr>
-        <p:spPr>
-          <a:xfrm>
-            <a:off x="25065039" y="18650684"/>
-            <a:ext cx="3566527" cy="492443"/>
-          </a:xfrm>
-          <a:prstGeom prst="rect">
-            <a:avLst/>
-          </a:prstGeom>
-          <a:noFill/>
-        </p:spPr>
-        <p:txBody>
-          <a:bodyPr wrap="square" lIns="0" tIns="0" rIns="0" bIns="0" rtlCol="0">
-            <a:spAutoFit/>
-          </a:bodyPr>
-          <a:lstStyle/>
-          <a:p>
-            <a:pPr algn="l"/>
-            <a:r>
-              <a:rPr lang="de-DE" sz="3200" smtClean="0">
-                <a:solidFill>
-                  <a:schemeClr val="bg1"/>
-                </a:solidFill>
-              </a:rPr>
-              <a:t>DI Franz Gruber</a:t>
-            </a:r>
-            <a:endParaRPr lang="de-DE" sz="3200" dirty="0">
-              <a:solidFill>
-                <a:schemeClr val="bg1"/>
-              </a:solidFill>
-            </a:endParaRPr>
-          </a:p>
-        </p:txBody>
-      </p:sp>
-      <p:sp>
-        <p:nvSpPr>
-          <p:cNvPr id="17" name="Textfeld 16"/>
-          <p:cNvSpPr txBox="1"/>
-          <p:nvPr/>
-        </p:nvSpPr>
-        <p:spPr>
-          <a:xfrm>
-            <a:off x="21691600" y="19160637"/>
-            <a:ext cx="3119646" cy="492443"/>
-          </a:xfrm>
-          <a:prstGeom prst="rect">
-            <a:avLst/>
-          </a:prstGeom>
-          <a:noFill/>
-        </p:spPr>
-        <p:txBody>
-          <a:bodyPr wrap="square" lIns="0" tIns="0" rIns="0" bIns="0" rtlCol="0">
-            <a:spAutoFit/>
-          </a:bodyPr>
-          <a:lstStyle/>
-          <a:p>
-            <a:pPr algn="r"/>
-            <a:r>
-              <a:rPr lang="de-DE" sz="3200" smtClean="0">
-                <a:solidFill>
-                  <a:schemeClr val="bg1">
-                    <a:alpha val="60000"/>
-                  </a:schemeClr>
-                </a:solidFill>
-              </a:rPr>
-              <a:t>PROJEKTANTEN</a:t>
-            </a:r>
-            <a:endParaRPr lang="de-DE" sz="3200" dirty="0">
-              <a:solidFill>
-                <a:schemeClr val="bg1">
-                  <a:alpha val="60000"/>
-                </a:schemeClr>
-              </a:solidFill>
-            </a:endParaRPr>
-          </a:p>
-        </p:txBody>
-      </p:sp>
-      <p:sp>
-        <p:nvSpPr>
-          <p:cNvPr id="18" name="Textfeld 17"/>
-          <p:cNvSpPr txBox="1"/>
-          <p:nvPr/>
-        </p:nvSpPr>
-        <p:spPr>
-          <a:xfrm>
-            <a:off x="25065040" y="19160636"/>
-            <a:ext cx="4348160" cy="1477328"/>
-          </a:xfrm>
-          <a:prstGeom prst="rect">
-            <a:avLst/>
-          </a:prstGeom>
-          <a:noFill/>
-        </p:spPr>
-        <p:txBody>
-          <a:bodyPr wrap="square" lIns="0" tIns="0" rIns="0" bIns="0" rtlCol="0">
-            <a:spAutoFit/>
-          </a:bodyPr>
-          <a:lstStyle/>
-          <a:p>
-            <a:pPr algn="l"/>
-            <a:r>
-              <a:rPr lang="de-DE" sz="3200" dirty="0" smtClean="0">
-                <a:solidFill>
-                  <a:schemeClr val="bg1"/>
-                </a:solidFill>
-              </a:rPr>
-              <a:t>Johann</a:t>
-            </a:r>
-            <a:r>
-              <a:rPr lang="de-DE" sz="3200" baseline="0" dirty="0" smtClean="0">
-                <a:solidFill>
-                  <a:schemeClr val="bg1"/>
-                </a:solidFill>
-              </a:rPr>
-              <a:t> Langernachname</a:t>
-            </a:r>
-          </a:p>
-          <a:p>
-            <a:pPr algn="l"/>
-            <a:r>
-              <a:rPr lang="de-DE" sz="3200" baseline="0" dirty="0" smtClean="0">
-                <a:solidFill>
-                  <a:schemeClr val="bg1"/>
-                </a:solidFill>
-              </a:rPr>
-              <a:t>Michaela Maier</a:t>
-            </a:r>
-          </a:p>
-          <a:p>
-            <a:pPr algn="l"/>
-            <a:r>
-              <a:rPr lang="de-DE" sz="3200" baseline="0" dirty="0" smtClean="0">
-                <a:solidFill>
-                  <a:schemeClr val="bg1"/>
-                </a:solidFill>
-              </a:rPr>
-              <a:t>Johanna Huber</a:t>
-            </a:r>
-            <a:endParaRPr lang="de-DE" sz="3200" dirty="0">
-              <a:solidFill>
-                <a:schemeClr val="bg1"/>
-              </a:solidFill>
-            </a:endParaRPr>
-          </a:p>
-        </p:txBody>
-      </p:sp>
-    </p:spTree>
-    <p:extLst>
-      <p:ext uri="{BB962C8B-B14F-4D97-AF65-F5344CB8AC3E}">
-        <p14:creationId xmlns:p14="http://schemas.microsoft.com/office/powerpoint/2010/main" val="1210373256"/>
-      </p:ext>
-    </p:extLst>
-  </p:cSld>
-  <p:clrMapOvr>
-    <a:masterClrMapping/>
-  </p:clrMapOvr>
-  <p:timing>
-    <p:tnLst>
-      <p:par>
-        <p:cTn id="1" dur="indefinite" restart="never" nodeType="tmRoot"/>
-      </p:par>
-    </p:tnLst>
-  </p:timing>
-</p:sld>
-</file>
-
-<file path=ppt/slides/slide4.xml><?xml version="1.0" encoding="utf-8"?>
-<p:sld xmlns:a="http://schemas.openxmlformats.org/drawingml/2006/main" xmlns:r="http://schemas.openxmlformats.org/officeDocument/2006/relationships" xmlns:p="http://schemas.openxmlformats.org/presentationml/2006/main">
-  <p:cSld>
-    <p:spTree>
-      <p:nvGrpSpPr>
-        <p:cNvPr id="1" name=""/>
-        <p:cNvGrpSpPr/>
-        <p:nvPr/>
-      </p:nvGrpSpPr>
-      <p:grpSpPr>
-        <a:xfrm>
-          <a:off x="0" y="0"/>
-          <a:ext cx="0" cy="0"/>
-          <a:chOff x="0" y="0"/>
-          <a:chExt cx="0" cy="0"/>
-        </a:xfrm>
-      </p:grpSpPr>
-      <p:sp>
-        <p:nvSpPr>
-          <p:cNvPr id="9" name="Title Placeholder 1"/>
-          <p:cNvSpPr txBox="1">
-            <a:spLocks/>
-          </p:cNvSpPr>
-          <p:nvPr/>
-        </p:nvSpPr>
-        <p:spPr>
-          <a:xfrm>
-            <a:off x="1095375" y="1009650"/>
-            <a:ext cx="20799425" cy="1080271"/>
-          </a:xfrm>
-          <a:prstGeom prst="rect">
-            <a:avLst/>
-          </a:prstGeom>
-        </p:spPr>
-        <p:txBody>
-          <a:bodyPr vert="horz" lIns="0" tIns="0" rIns="0" bIns="0" rtlCol="0" anchor="t" anchorCtr="0">
-            <a:normAutofit/>
-          </a:bodyPr>
-          <a:lstStyle>
-            <a:lvl1pPr marL="0" marR="0" indent="0" algn="l" defTabSz="2851191" rtl="0" eaLnBrk="1" fontAlgn="auto" latinLnBrk="0" hangingPunct="1">
-              <a:lnSpc>
-                <a:spcPct val="90000"/>
-              </a:lnSpc>
-              <a:spcBef>
-                <a:spcPct val="0"/>
-              </a:spcBef>
-              <a:spcAft>
-                <a:spcPts val="0"/>
-              </a:spcAft>
-              <a:buClrTx/>
-              <a:buSzTx/>
-              <a:buFontTx/>
-              <a:buNone/>
-              <a:tabLst/>
-              <a:defRPr sz="13720" kern="1200">
-                <a:solidFill>
-                  <a:schemeClr val="tx1"/>
-                </a:solidFill>
-                <a:latin typeface="+mj-lt"/>
-                <a:ea typeface="+mj-ea"/>
-                <a:cs typeface="+mj-cs"/>
-              </a:defRPr>
-            </a:lvl1pPr>
-          </a:lstStyle>
-          <a:p>
-            <a:r>
-              <a:rPr lang="de-DE" sz="7800" smtClean="0">
-                <a:solidFill>
-                  <a:prstClr val="white"/>
-                </a:solidFill>
-                <a:latin typeface="Arial" panose="020B0604020202020204"/>
-              </a:rPr>
-              <a:t>PROJEKTNAME</a:t>
-            </a:r>
-            <a:endParaRPr lang="en-US" dirty="0"/>
-          </a:p>
-        </p:txBody>
-      </p:sp>
-      <p:sp>
-        <p:nvSpPr>
-          <p:cNvPr id="10" name="Textfeld 9"/>
-          <p:cNvSpPr txBox="1"/>
-          <p:nvPr/>
-        </p:nvSpPr>
-        <p:spPr>
-          <a:xfrm>
-            <a:off x="1095375" y="1969886"/>
-            <a:ext cx="10156825" cy="1358756"/>
-          </a:xfrm>
-          <a:prstGeom prst="rect">
-            <a:avLst/>
-          </a:prstGeom>
-          <a:noFill/>
-        </p:spPr>
-        <p:txBody>
-          <a:bodyPr wrap="square" lIns="0" tIns="0" rIns="0" bIns="0" rtlCol="0">
-            <a:spAutoFit/>
-          </a:bodyPr>
-          <a:lstStyle/>
-          <a:p>
-            <a:r>
-              <a:rPr lang="de-DE" sz="4400" dirty="0" smtClean="0">
-                <a:solidFill>
-                  <a:schemeClr val="bg1">
-                    <a:alpha val="60000"/>
-                  </a:schemeClr>
-                </a:solidFill>
-              </a:rPr>
-              <a:t>Untertitel</a:t>
-            </a:r>
-            <a:r>
-              <a:rPr lang="de-DE" sz="4400" baseline="0" dirty="0" smtClean="0">
-                <a:solidFill>
-                  <a:schemeClr val="bg1">
-                    <a:alpha val="60000"/>
-                  </a:schemeClr>
-                </a:solidFill>
-              </a:rPr>
-              <a:t> für das Projekt, der auch über zwei Zeilen gehen kann</a:t>
-            </a:r>
-            <a:endParaRPr lang="de-DE" sz="4400" dirty="0">
-              <a:solidFill>
-                <a:schemeClr val="bg1">
-                  <a:alpha val="60000"/>
-                </a:schemeClr>
-              </a:solidFill>
-            </a:endParaRPr>
-          </a:p>
-        </p:txBody>
-      </p:sp>
-      <p:pic>
-        <p:nvPicPr>
-          <p:cNvPr id="11" name="Bild 10"/>
-          <p:cNvPicPr>
-            <a:picLocks noChangeAspect="1"/>
-          </p:cNvPicPr>
-          <p:nvPr/>
-        </p:nvPicPr>
-        <p:blipFill>
-          <a:blip r:embed="rId2">
-            <a:extLst>
-              <a:ext uri="{28A0092B-C50C-407E-A947-70E740481C1C}">
-                <a14:useLocalDpi xmlns:a14="http://schemas.microsoft.com/office/drawing/2010/main"/>
-              </a:ext>
-            </a:extLst>
-          </a:blip>
-          <a:stretch>
-            <a:fillRect/>
-          </a:stretch>
-        </p:blipFill>
-        <p:spPr>
-          <a:xfrm>
-            <a:off x="1095374" y="19113090"/>
-            <a:ext cx="2130425" cy="1152935"/>
-          </a:xfrm>
-          <a:prstGeom prst="rect">
-            <a:avLst/>
-          </a:prstGeom>
-        </p:spPr>
-      </p:pic>
-      <p:sp>
-        <p:nvSpPr>
-          <p:cNvPr id="12" name="Textfeld 11"/>
-          <p:cNvSpPr txBox="1"/>
-          <p:nvPr/>
-        </p:nvSpPr>
-        <p:spPr>
-          <a:xfrm>
-            <a:off x="22580600" y="1079500"/>
-            <a:ext cx="6599238" cy="492443"/>
-          </a:xfrm>
-          <a:prstGeom prst="rect">
-            <a:avLst/>
-          </a:prstGeom>
-          <a:noFill/>
-        </p:spPr>
-        <p:txBody>
-          <a:bodyPr wrap="square" lIns="0" tIns="0" rIns="0" bIns="0" rtlCol="0">
-            <a:spAutoFit/>
-          </a:bodyPr>
-          <a:lstStyle/>
-          <a:p>
-            <a:pPr algn="r"/>
-            <a:r>
-              <a:rPr lang="de-DE" sz="3200" dirty="0" smtClean="0">
-                <a:solidFill>
-                  <a:schemeClr val="bg1"/>
-                </a:solidFill>
-              </a:rPr>
-              <a:t>DIPLOMARBEIT</a:t>
-            </a:r>
-            <a:r>
-              <a:rPr lang="de-DE" sz="3200" baseline="0" dirty="0" smtClean="0">
-                <a:solidFill>
-                  <a:schemeClr val="bg1"/>
-                </a:solidFill>
-              </a:rPr>
-              <a:t>  2016/17</a:t>
-            </a:r>
-            <a:endParaRPr lang="de-DE" sz="3200" dirty="0">
-              <a:solidFill>
-                <a:schemeClr val="bg1"/>
-              </a:solidFill>
-            </a:endParaRPr>
-          </a:p>
-        </p:txBody>
-      </p:sp>
-      <p:sp>
-        <p:nvSpPr>
-          <p:cNvPr id="13" name="Textfeld 12"/>
-          <p:cNvSpPr txBox="1"/>
-          <p:nvPr/>
-        </p:nvSpPr>
-        <p:spPr>
-          <a:xfrm>
-            <a:off x="22783800" y="18140731"/>
-            <a:ext cx="2027446" cy="492443"/>
-          </a:xfrm>
-          <a:prstGeom prst="rect">
-            <a:avLst/>
-          </a:prstGeom>
-          <a:noFill/>
-        </p:spPr>
-        <p:txBody>
-          <a:bodyPr wrap="square" lIns="0" tIns="0" rIns="0" bIns="0" rtlCol="0">
-            <a:spAutoFit/>
-          </a:bodyPr>
-          <a:lstStyle/>
-          <a:p>
-            <a:pPr algn="r"/>
-            <a:r>
-              <a:rPr lang="de-DE" sz="3200" dirty="0" smtClean="0">
-                <a:solidFill>
-                  <a:schemeClr val="bg1">
-                    <a:alpha val="60000"/>
-                  </a:schemeClr>
-                </a:solidFill>
-              </a:rPr>
-              <a:t>KLASSE</a:t>
-            </a:r>
-            <a:endParaRPr lang="de-DE" sz="3200" dirty="0">
-              <a:solidFill>
-                <a:schemeClr val="bg1">
-                  <a:alpha val="60000"/>
-                </a:schemeClr>
-              </a:solidFill>
-            </a:endParaRPr>
-          </a:p>
-        </p:txBody>
-      </p:sp>
-      <p:sp>
-        <p:nvSpPr>
-          <p:cNvPr id="14" name="Textfeld 13"/>
-          <p:cNvSpPr txBox="1"/>
-          <p:nvPr/>
-        </p:nvSpPr>
-        <p:spPr>
-          <a:xfrm>
-            <a:off x="25065040" y="18140730"/>
-            <a:ext cx="2027446" cy="492443"/>
-          </a:xfrm>
-          <a:prstGeom prst="rect">
-            <a:avLst/>
-          </a:prstGeom>
-          <a:noFill/>
-        </p:spPr>
-        <p:txBody>
-          <a:bodyPr wrap="square" lIns="0" tIns="0" rIns="0" bIns="0" rtlCol="0">
-            <a:spAutoFit/>
-          </a:bodyPr>
-          <a:lstStyle/>
-          <a:p>
-            <a:pPr algn="l"/>
-            <a:r>
-              <a:rPr lang="de-DE" sz="3200" dirty="0" smtClean="0">
-                <a:solidFill>
-                  <a:schemeClr val="bg1"/>
-                </a:solidFill>
-              </a:rPr>
-              <a:t>5 ABCH</a:t>
-            </a:r>
-            <a:endParaRPr lang="de-DE" sz="3200" dirty="0">
-              <a:solidFill>
-                <a:schemeClr val="bg1"/>
-              </a:solidFill>
-            </a:endParaRPr>
-          </a:p>
-        </p:txBody>
-      </p:sp>
-      <p:sp>
-        <p:nvSpPr>
-          <p:cNvPr id="15" name="Textfeld 14"/>
-          <p:cNvSpPr txBox="1"/>
-          <p:nvPr/>
-        </p:nvSpPr>
-        <p:spPr>
-          <a:xfrm>
-            <a:off x="22783800" y="18650685"/>
-            <a:ext cx="2027446" cy="492443"/>
-          </a:xfrm>
-          <a:prstGeom prst="rect">
-            <a:avLst/>
-          </a:prstGeom>
-          <a:noFill/>
-        </p:spPr>
-        <p:txBody>
-          <a:bodyPr wrap="square" lIns="0" tIns="0" rIns="0" bIns="0" rtlCol="0">
-            <a:spAutoFit/>
-          </a:bodyPr>
-          <a:lstStyle/>
-          <a:p>
-            <a:pPr algn="r"/>
-            <a:r>
-              <a:rPr lang="de-DE" sz="3200" dirty="0" smtClean="0">
-                <a:solidFill>
-                  <a:schemeClr val="bg1">
-                    <a:alpha val="60000"/>
-                  </a:schemeClr>
-                </a:solidFill>
-              </a:rPr>
-              <a:t>BETREUER</a:t>
-            </a:r>
-            <a:endParaRPr lang="de-DE" sz="3200" dirty="0">
-              <a:solidFill>
-                <a:schemeClr val="bg1">
-                  <a:alpha val="60000"/>
-                </a:schemeClr>
-              </a:solidFill>
-            </a:endParaRPr>
-          </a:p>
-        </p:txBody>
-      </p:sp>
-      <p:sp>
-        <p:nvSpPr>
-          <p:cNvPr id="16" name="Textfeld 15"/>
-          <p:cNvSpPr txBox="1"/>
-          <p:nvPr/>
-        </p:nvSpPr>
-        <p:spPr>
-          <a:xfrm>
-            <a:off x="25065039" y="18650684"/>
-            <a:ext cx="3566527" cy="492443"/>
-          </a:xfrm>
-          <a:prstGeom prst="rect">
-            <a:avLst/>
-          </a:prstGeom>
-          <a:noFill/>
-        </p:spPr>
-        <p:txBody>
-          <a:bodyPr wrap="square" lIns="0" tIns="0" rIns="0" bIns="0" rtlCol="0">
-            <a:spAutoFit/>
-          </a:bodyPr>
-          <a:lstStyle/>
-          <a:p>
-            <a:pPr algn="l"/>
-            <a:r>
-              <a:rPr lang="de-DE" sz="3200" smtClean="0">
-                <a:solidFill>
-                  <a:schemeClr val="bg1"/>
-                </a:solidFill>
-              </a:rPr>
-              <a:t>DI Franz Gruber</a:t>
-            </a:r>
-            <a:endParaRPr lang="de-DE" sz="3200" dirty="0">
-              <a:solidFill>
-                <a:schemeClr val="bg1"/>
-              </a:solidFill>
-            </a:endParaRPr>
-          </a:p>
-        </p:txBody>
-      </p:sp>
-      <p:sp>
-        <p:nvSpPr>
-          <p:cNvPr id="17" name="Textfeld 16"/>
-          <p:cNvSpPr txBox="1"/>
-          <p:nvPr/>
-        </p:nvSpPr>
-        <p:spPr>
-          <a:xfrm>
-            <a:off x="21691600" y="19160637"/>
-            <a:ext cx="3119646" cy="492443"/>
-          </a:xfrm>
-          <a:prstGeom prst="rect">
-            <a:avLst/>
-          </a:prstGeom>
-          <a:noFill/>
-        </p:spPr>
-        <p:txBody>
-          <a:bodyPr wrap="square" lIns="0" tIns="0" rIns="0" bIns="0" rtlCol="0">
-            <a:spAutoFit/>
-          </a:bodyPr>
-          <a:lstStyle/>
-          <a:p>
-            <a:pPr algn="r"/>
-            <a:r>
-              <a:rPr lang="de-DE" sz="3200" smtClean="0">
-                <a:solidFill>
-                  <a:schemeClr val="bg1">
-                    <a:alpha val="60000"/>
-                  </a:schemeClr>
-                </a:solidFill>
-              </a:rPr>
-              <a:t>PROJEKTANTEN</a:t>
-            </a:r>
-            <a:endParaRPr lang="de-DE" sz="3200" dirty="0">
-              <a:solidFill>
-                <a:schemeClr val="bg1">
-                  <a:alpha val="60000"/>
-                </a:schemeClr>
-              </a:solidFill>
-            </a:endParaRPr>
-          </a:p>
-        </p:txBody>
-      </p:sp>
-      <p:sp>
-        <p:nvSpPr>
-          <p:cNvPr id="18" name="Textfeld 17"/>
-          <p:cNvSpPr txBox="1"/>
-          <p:nvPr/>
-        </p:nvSpPr>
-        <p:spPr>
-          <a:xfrm>
-            <a:off x="25065040" y="19160636"/>
-            <a:ext cx="4348160" cy="1477328"/>
-          </a:xfrm>
-          <a:prstGeom prst="rect">
-            <a:avLst/>
-          </a:prstGeom>
-          <a:noFill/>
-        </p:spPr>
-        <p:txBody>
-          <a:bodyPr wrap="square" lIns="0" tIns="0" rIns="0" bIns="0" rtlCol="0">
-            <a:spAutoFit/>
-          </a:bodyPr>
-          <a:lstStyle/>
-          <a:p>
-            <a:pPr algn="l"/>
-            <a:r>
-              <a:rPr lang="de-DE" sz="3200" dirty="0" smtClean="0">
-                <a:solidFill>
-                  <a:schemeClr val="bg1"/>
-                </a:solidFill>
-              </a:rPr>
-              <a:t>Johann</a:t>
-            </a:r>
-            <a:r>
-              <a:rPr lang="de-DE" sz="3200" baseline="0" dirty="0" smtClean="0">
-                <a:solidFill>
-                  <a:schemeClr val="bg1"/>
-                </a:solidFill>
-              </a:rPr>
-              <a:t> Langernachname</a:t>
-            </a:r>
-          </a:p>
-          <a:p>
-            <a:pPr algn="l"/>
-            <a:r>
-              <a:rPr lang="de-DE" sz="3200" baseline="0" dirty="0" smtClean="0">
-                <a:solidFill>
-                  <a:schemeClr val="bg1"/>
-                </a:solidFill>
-              </a:rPr>
-              <a:t>Michaela Maier</a:t>
-            </a:r>
-          </a:p>
-          <a:p>
-            <a:pPr algn="l"/>
-            <a:r>
-              <a:rPr lang="de-DE" sz="3200" baseline="0" dirty="0" smtClean="0">
-                <a:solidFill>
-                  <a:schemeClr val="bg1"/>
-                </a:solidFill>
-              </a:rPr>
-              <a:t>Johanna Huber</a:t>
-            </a:r>
-            <a:endParaRPr lang="de-DE" sz="3200" dirty="0">
-              <a:solidFill>
-                <a:schemeClr val="bg1"/>
-              </a:solidFill>
-            </a:endParaRPr>
-          </a:p>
-        </p:txBody>
-      </p:sp>
-    </p:spTree>
-    <p:extLst>
-      <p:ext uri="{BB962C8B-B14F-4D97-AF65-F5344CB8AC3E}">
-        <p14:creationId xmlns:p14="http://schemas.microsoft.com/office/powerpoint/2010/main" val="1979727204"/>
-      </p:ext>
-    </p:extLst>
-  </p:cSld>
-  <p:clrMapOvr>
-    <a:masterClrMapping/>
-  </p:clrMapOvr>
-  <p:timing>
-    <p:tnLst>
-      <p:par>
-        <p:cTn id="1" dur="indefinite" restart="never" nodeType="tmRoot"/>
-      </p:par>
-    </p:tnLst>
-  </p:timing>
 </p:sld>
 </file>
 

--- a/Media/sunnyHome Plakat.pptx
+++ b/Media/sunnyHome Plakat.pptx
@@ -110,6 +110,68 @@
     </p:ext>
   </p:extLst>
 </p:presentation>
+</file>
+
+<file path=ppt/ink/ink1.xml><?xml version="1.0" encoding="utf-8"?>
+<inkml:ink xmlns:inkml="http://www.w3.org/2003/InkML">
+  <inkml:definitions>
+    <inkml:context xml:id="ctx0">
+      <inkml:inkSource xml:id="inkSrc0">
+        <inkml:traceFormat>
+          <inkml:channel name="X" type="integer" min="-2.14748E9" max="2.14748E9" units="cm"/>
+          <inkml:channel name="Y" type="integer" min="-2.14748E9" max="2.14748E9" units="cm"/>
+          <inkml:channel name="F" type="integer" max="32767" units="dev"/>
+          <inkml:channel name="OA" type="integer" max="360" units="deg"/>
+          <inkml:channel name="OE" type="integer" max="90" units="deg"/>
+        </inkml:traceFormat>
+        <inkml:channelProperties>
+          <inkml:channelProperty channel="X" name="resolution" value="1000" units="1/cm"/>
+          <inkml:channelProperty channel="Y" name="resolution" value="1000" units="1/cm"/>
+          <inkml:channelProperty channel="F" name="resolution" value="0" units="1/dev"/>
+          <inkml:channelProperty channel="OA" name="resolution" value="1000" units="1/deg"/>
+          <inkml:channelProperty channel="OE" name="resolution" value="1000" units="1/deg"/>
+        </inkml:channelProperties>
+      </inkml:inkSource>
+      <inkml:timestamp xml:id="ts0" timeString="2018-11-20T13:08:40.472"/>
+    </inkml:context>
+    <inkml:brush xml:id="br0">
+      <inkml:brushProperty name="width" value="0.05" units="cm"/>
+      <inkml:brushProperty name="height" value="0.05" units="cm"/>
+    </inkml:brush>
+  </inkml:definitions>
+  <inkml:trace contextRef="#ctx0" brushRef="#br0">1 0 7832 0 0,'0'0'0'0'0,"0"0"0"0"0,0 0 0 0 0,0 0 288 0 0,0 0 8 0 0,0 0 0 0 0,0 0 0 0 0,50 86-136 0 0,-29-66 0 0 0,-1-15 0 0 0,20 25 8 0 0,0 5-5976 0 0</inkml:trace>
+</inkml:ink>
+</file>
+
+<file path=ppt/ink/ink2.xml><?xml version="1.0" encoding="utf-8"?>
+<inkml:ink xmlns:inkml="http://www.w3.org/2003/InkML">
+  <inkml:definitions>
+    <inkml:context xml:id="ctx0">
+      <inkml:inkSource xml:id="inkSrc0">
+        <inkml:traceFormat>
+          <inkml:channel name="X" type="integer" min="-2.14748E9" max="2.14748E9" units="cm"/>
+          <inkml:channel name="Y" type="integer" min="-2.14748E9" max="2.14748E9" units="cm"/>
+          <inkml:channel name="F" type="integer" max="32767" units="dev"/>
+          <inkml:channel name="OA" type="integer" max="360" units="deg"/>
+          <inkml:channel name="OE" type="integer" max="90" units="deg"/>
+        </inkml:traceFormat>
+        <inkml:channelProperties>
+          <inkml:channelProperty channel="X" name="resolution" value="1000" units="1/cm"/>
+          <inkml:channelProperty channel="Y" name="resolution" value="1000" units="1/cm"/>
+          <inkml:channelProperty channel="F" name="resolution" value="0" units="1/dev"/>
+          <inkml:channelProperty channel="OA" name="resolution" value="1000" units="1/deg"/>
+          <inkml:channelProperty channel="OE" name="resolution" value="1000" units="1/deg"/>
+        </inkml:channelProperties>
+      </inkml:inkSource>
+      <inkml:timestamp xml:id="ts0" timeString="2018-11-20T13:10:55.398"/>
+    </inkml:context>
+    <inkml:brush xml:id="br0">
+      <inkml:brushProperty name="width" value="0.05" units="cm"/>
+      <inkml:brushProperty name="height" value="0.05" units="cm"/>
+    </inkml:brush>
+  </inkml:definitions>
+  <inkml:trace contextRef="#ctx0" brushRef="#br0">0 0 9352 0 0,'0'0'0'0'0,"0"0"0"0"0,0 0 0 0 0,0 0 376 0 0,0 0 0 0 0,0 0 0 0 0,0 0 0 0 0,0 0-144 0 0,0 0 8 0 0,0 0 0 0 0,0 0 0 0 0,0 0-7656 0 0</inkml:trace>
+</inkml:ink>
 </file>
 
 <file path=ppt/slideLayouts/slideLayout1.xml><?xml version="1.0" encoding="utf-8"?>
@@ -1259,7 +1321,7 @@
         <p:spPr>
           <a:xfrm>
             <a:off x="1095375" y="1969886"/>
-            <a:ext cx="10156825" cy="1358756"/>
+            <a:ext cx="10156825" cy="677108"/>
           </a:xfrm>
           <a:prstGeom prst="rect">
             <a:avLst/>
@@ -1280,25 +1342,8 @@
                   </a:schemeClr>
                 </a:solidFill>
               </a:rPr>
-              <a:t>Untertitel</a:t>
-            </a:r>
-            <a:r>
-              <a:rPr lang="de-DE" sz="4400" baseline="0" dirty="0">
-                <a:solidFill>
-                  <a:schemeClr val="bg1">
-                    <a:alpha val="60000"/>
-                  </a:schemeClr>
-                </a:solidFill>
-              </a:rPr>
-              <a:t> für das Projekt, der auch über zwei Zeilen gehen kann</a:t>
-            </a:r>
-            <a:endParaRPr lang="de-DE" sz="4400" dirty="0">
-              <a:solidFill>
-                <a:schemeClr val="bg1">
-                  <a:alpha val="60000"/>
-                </a:schemeClr>
-              </a:solidFill>
-            </a:endParaRPr>
+              <a:t>eine autarke Wetterstation</a:t>
+            </a:r>
           </a:p>
         </p:txBody>
       </p:sp>
@@ -1631,14 +1676,885 @@
         </p:blipFill>
         <p:spPr>
           <a:xfrm>
-            <a:off x="16603324" y="2240497"/>
-            <a:ext cx="12360952" cy="7825667"/>
+            <a:off x="18143086" y="1998863"/>
+            <a:ext cx="7737133" cy="4898347"/>
           </a:xfrm>
           <a:prstGeom prst="rect">
             <a:avLst/>
           </a:prstGeom>
         </p:spPr>
       </p:pic>
+      <p:pic>
+        <p:nvPicPr>
+          <p:cNvPr id="4" name="Grafik 3" descr="Thermometer">
+            <a:extLst>
+              <a:ext uri="{FF2B5EF4-FFF2-40B4-BE49-F238E27FC236}">
+                <a16:creationId xmlns:a16="http://schemas.microsoft.com/office/drawing/2014/main" id="{6A135113-4AD2-41E0-9156-40F48A7DEA0F}"/>
+              </a:ext>
+            </a:extLst>
+          </p:cNvPr>
+          <p:cNvPicPr>
+            <a:picLocks noChangeAspect="1"/>
+          </p:cNvPicPr>
+          <p:nvPr/>
+        </p:nvPicPr>
+        <p:blipFill>
+          <a:blip r:embed="rId4">
+            <a:extLst>
+              <a:ext uri="{96DAC541-7B7A-43D3-8B79-37D633B846F1}">
+                <asvg:svgBlip xmlns:asvg="http://schemas.microsoft.com/office/drawing/2016/SVG/main" r:embed="rId5"/>
+              </a:ext>
+            </a:extLst>
+          </a:blip>
+          <a:stretch>
+            <a:fillRect/>
+          </a:stretch>
+        </p:blipFill>
+        <p:spPr>
+          <a:xfrm>
+            <a:off x="1374339" y="12904640"/>
+            <a:ext cx="1572491" cy="1572491"/>
+          </a:xfrm>
+          <a:prstGeom prst="rect">
+            <a:avLst/>
+          </a:prstGeom>
+        </p:spPr>
+      </p:pic>
+      <p:pic>
+        <p:nvPicPr>
+          <p:cNvPr id="6" name="Grafik 5" descr="Regen">
+            <a:extLst>
+              <a:ext uri="{FF2B5EF4-FFF2-40B4-BE49-F238E27FC236}">
+                <a16:creationId xmlns:a16="http://schemas.microsoft.com/office/drawing/2014/main" id="{DB3268A4-AFAB-496C-81F1-68FB7AAA020F}"/>
+              </a:ext>
+            </a:extLst>
+          </p:cNvPr>
+          <p:cNvPicPr>
+            <a:picLocks noChangeAspect="1"/>
+          </p:cNvPicPr>
+          <p:nvPr/>
+        </p:nvPicPr>
+        <p:blipFill>
+          <a:blip r:embed="rId6">
+            <a:extLst>
+              <a:ext uri="{96DAC541-7B7A-43D3-8B79-37D633B846F1}">
+                <asvg:svgBlip xmlns:asvg="http://schemas.microsoft.com/office/drawing/2016/SVG/main" r:embed="rId7"/>
+              </a:ext>
+            </a:extLst>
+          </a:blip>
+          <a:stretch>
+            <a:fillRect/>
+          </a:stretch>
+        </p:blipFill>
+        <p:spPr>
+          <a:xfrm flipH="1">
+            <a:off x="1761385" y="11136116"/>
+            <a:ext cx="2928827" cy="2928827"/>
+          </a:xfrm>
+          <a:prstGeom prst="rect">
+            <a:avLst/>
+          </a:prstGeom>
+        </p:spPr>
+      </p:pic>
+      <p:pic>
+        <p:nvPicPr>
+          <p:cNvPr id="8" name="Grafik 7" descr="Sonne">
+            <a:extLst>
+              <a:ext uri="{FF2B5EF4-FFF2-40B4-BE49-F238E27FC236}">
+                <a16:creationId xmlns:a16="http://schemas.microsoft.com/office/drawing/2014/main" id="{C9A9B155-3D7F-4B79-93F6-2AC2C214CFB4}"/>
+              </a:ext>
+            </a:extLst>
+          </p:cNvPr>
+          <p:cNvPicPr>
+            <a:picLocks noChangeAspect="1"/>
+          </p:cNvPicPr>
+          <p:nvPr/>
+        </p:nvPicPr>
+        <p:blipFill>
+          <a:blip r:embed="rId8">
+            <a:extLst>
+              <a:ext uri="{96DAC541-7B7A-43D3-8B79-37D633B846F1}">
+                <asvg:svgBlip xmlns:asvg="http://schemas.microsoft.com/office/drawing/2016/SVG/main" r:embed="rId9"/>
+              </a:ext>
+            </a:extLst>
+          </a:blip>
+          <a:stretch>
+            <a:fillRect/>
+          </a:stretch>
+        </p:blipFill>
+        <p:spPr>
+          <a:xfrm>
+            <a:off x="7759020" y="5720477"/>
+            <a:ext cx="2052245" cy="2052245"/>
+          </a:xfrm>
+          <a:prstGeom prst="rect">
+            <a:avLst/>
+          </a:prstGeom>
+        </p:spPr>
+      </p:pic>
+      <p:pic>
+        <p:nvPicPr>
+          <p:cNvPr id="22" name="Grafik 21" descr="Smartphone">
+            <a:extLst>
+              <a:ext uri="{FF2B5EF4-FFF2-40B4-BE49-F238E27FC236}">
+                <a16:creationId xmlns:a16="http://schemas.microsoft.com/office/drawing/2014/main" id="{FE9426A5-E8B9-49BD-A2A7-B8BFC42F6793}"/>
+              </a:ext>
+            </a:extLst>
+          </p:cNvPr>
+          <p:cNvPicPr>
+            <a:picLocks noChangeAspect="1"/>
+          </p:cNvPicPr>
+          <p:nvPr/>
+        </p:nvPicPr>
+        <p:blipFill>
+          <a:blip r:embed="rId10">
+            <a:extLst>
+              <a:ext uri="{96DAC541-7B7A-43D3-8B79-37D633B846F1}">
+                <asvg:svgBlip xmlns:asvg="http://schemas.microsoft.com/office/drawing/2016/SVG/main" r:embed="rId11"/>
+              </a:ext>
+            </a:extLst>
+          </a:blip>
+          <a:stretch>
+            <a:fillRect/>
+          </a:stretch>
+        </p:blipFill>
+        <p:spPr>
+          <a:xfrm>
+            <a:off x="13278776" y="13176609"/>
+            <a:ext cx="1572491" cy="1572491"/>
+          </a:xfrm>
+          <a:prstGeom prst="rect">
+            <a:avLst/>
+          </a:prstGeom>
+        </p:spPr>
+      </p:pic>
+      <p:pic>
+        <p:nvPicPr>
+          <p:cNvPr id="24" name="Grafik 23" descr="Laptop">
+            <a:extLst>
+              <a:ext uri="{FF2B5EF4-FFF2-40B4-BE49-F238E27FC236}">
+                <a16:creationId xmlns:a16="http://schemas.microsoft.com/office/drawing/2014/main" id="{E6F6829F-8865-46BA-9D62-FA89C834C001}"/>
+              </a:ext>
+            </a:extLst>
+          </p:cNvPr>
+          <p:cNvPicPr>
+            <a:picLocks noChangeAspect="1"/>
+          </p:cNvPicPr>
+          <p:nvPr/>
+        </p:nvPicPr>
+        <p:blipFill>
+          <a:blip r:embed="rId12">
+            <a:extLst>
+              <a:ext uri="{96DAC541-7B7A-43D3-8B79-37D633B846F1}">
+                <asvg:svgBlip xmlns:asvg="http://schemas.microsoft.com/office/drawing/2016/SVG/main" r:embed="rId13"/>
+              </a:ext>
+            </a:extLst>
+          </a:blip>
+          <a:stretch>
+            <a:fillRect/>
+          </a:stretch>
+        </p:blipFill>
+        <p:spPr>
+          <a:xfrm>
+            <a:off x="13284490" y="14997464"/>
+            <a:ext cx="1572491" cy="1572491"/>
+          </a:xfrm>
+          <a:prstGeom prst="rect">
+            <a:avLst/>
+          </a:prstGeom>
+        </p:spPr>
+      </p:pic>
+      <p:pic>
+        <p:nvPicPr>
+          <p:cNvPr id="41" name="Grafik 40">
+            <a:extLst>
+              <a:ext uri="{FF2B5EF4-FFF2-40B4-BE49-F238E27FC236}">
+                <a16:creationId xmlns:a16="http://schemas.microsoft.com/office/drawing/2014/main" id="{1B79386E-338A-4502-ADD1-8104BB8FE133}"/>
+              </a:ext>
+            </a:extLst>
+          </p:cNvPr>
+          <p:cNvPicPr>
+            <a:picLocks noChangeAspect="1"/>
+          </p:cNvPicPr>
+          <p:nvPr/>
+        </p:nvPicPr>
+        <p:blipFill>
+          <a:blip r:embed="rId14"/>
+          <a:stretch>
+            <a:fillRect/>
+          </a:stretch>
+        </p:blipFill>
+        <p:spPr>
+          <a:xfrm rot="17666517">
+            <a:off x="2825680" y="5492842"/>
+            <a:ext cx="1961902" cy="1961902"/>
+          </a:xfrm>
+          <a:prstGeom prst="rect">
+            <a:avLst/>
+          </a:prstGeom>
+        </p:spPr>
+      </p:pic>
+      <p:sp>
+        <p:nvSpPr>
+          <p:cNvPr id="47" name="Rechteck 46">
+            <a:extLst>
+              <a:ext uri="{FF2B5EF4-FFF2-40B4-BE49-F238E27FC236}">
+                <a16:creationId xmlns:a16="http://schemas.microsoft.com/office/drawing/2014/main" id="{F4034233-9BC9-449D-A0D3-D0B95EDB8A60}"/>
+              </a:ext>
+            </a:extLst>
+          </p:cNvPr>
+          <p:cNvSpPr/>
+          <p:nvPr/>
+        </p:nvSpPr>
+        <p:spPr>
+          <a:xfrm>
+            <a:off x="2884071" y="13964594"/>
+            <a:ext cx="4442977" cy="2718297"/>
+          </a:xfrm>
+          <a:prstGeom prst="rect">
+            <a:avLst/>
+          </a:prstGeom>
+          <a:ln w="76200">
+            <a:solidFill>
+              <a:schemeClr val="tx1"/>
+            </a:solidFill>
+          </a:ln>
+        </p:spPr>
+        <p:style>
+          <a:lnRef idx="2">
+            <a:schemeClr val="dk1"/>
+          </a:lnRef>
+          <a:fillRef idx="1">
+            <a:schemeClr val="lt1"/>
+          </a:fillRef>
+          <a:effectRef idx="0">
+            <a:schemeClr val="dk1"/>
+          </a:effectRef>
+          <a:fontRef idx="minor">
+            <a:schemeClr val="dk1"/>
+          </a:fontRef>
+        </p:style>
+        <p:txBody>
+          <a:bodyPr rtlCol="0" anchor="ctr"/>
+          <a:lstStyle/>
+          <a:p>
+            <a:pPr algn="ctr"/>
+            <a:endParaRPr lang="de-DE"/>
+          </a:p>
+        </p:txBody>
+      </p:sp>
+      <mc:AlternateContent xmlns:mc="http://schemas.openxmlformats.org/markup-compatibility/2006">
+        <mc:Choice xmlns:p14="http://schemas.microsoft.com/office/powerpoint/2010/main" Requires="p14">
+          <p:contentPart p14:bwMode="auto" r:id="rId15">
+            <p14:nvContentPartPr>
+              <p14:cNvPr id="48" name="Freihand 47">
+                <a:extLst>
+                  <a:ext uri="{FF2B5EF4-FFF2-40B4-BE49-F238E27FC236}">
+                    <a16:creationId xmlns:a16="http://schemas.microsoft.com/office/drawing/2014/main" id="{EDB8A22C-D6FC-40B0-938A-52CF7EDD5A8A}"/>
+                  </a:ext>
+                </a:extLst>
+              </p14:cNvPr>
+              <p14:cNvContentPartPr/>
+              <p14:nvPr/>
+            </p14:nvContentPartPr>
+            <p14:xfrm>
+              <a:off x="13106721" y="4282334"/>
+              <a:ext cx="61920" cy="63720"/>
+            </p14:xfrm>
+          </p:contentPart>
+        </mc:Choice>
+        <mc:Fallback>
+          <p:pic>
+            <p:nvPicPr>
+              <p:cNvPr id="48" name="Freihand 47">
+                <a:extLst>
+                  <a:ext uri="{FF2B5EF4-FFF2-40B4-BE49-F238E27FC236}">
+                    <a16:creationId xmlns:a16="http://schemas.microsoft.com/office/drawing/2014/main" id="{EDB8A22C-D6FC-40B0-938A-52CF7EDD5A8A}"/>
+                  </a:ext>
+                </a:extLst>
+              </p:cNvPr>
+              <p:cNvPicPr/>
+              <p:nvPr/>
+            </p:nvPicPr>
+            <p:blipFill>
+              <a:blip r:embed="rId16"/>
+              <a:stretch>
+                <a:fillRect/>
+              </a:stretch>
+            </p:blipFill>
+            <p:spPr>
+              <a:xfrm>
+                <a:off x="13098081" y="4273334"/>
+                <a:ext cx="79560" cy="81360"/>
+              </a:xfrm>
+              <a:prstGeom prst="rect">
+                <a:avLst/>
+              </a:prstGeom>
+            </p:spPr>
+          </p:pic>
+        </mc:Fallback>
+      </mc:AlternateContent>
+      <p:sp>
+        <p:nvSpPr>
+          <p:cNvPr id="51" name="Textfeld 50">
+            <a:extLst>
+              <a:ext uri="{FF2B5EF4-FFF2-40B4-BE49-F238E27FC236}">
+                <a16:creationId xmlns:a16="http://schemas.microsoft.com/office/drawing/2014/main" id="{0B172B2D-401A-4CC1-B472-E51D95B5791F}"/>
+              </a:ext>
+            </a:extLst>
+          </p:cNvPr>
+          <p:cNvSpPr txBox="1"/>
+          <p:nvPr/>
+        </p:nvSpPr>
+        <p:spPr>
+          <a:xfrm>
+            <a:off x="2884071" y="14099743"/>
+            <a:ext cx="4442977" cy="1592487"/>
+          </a:xfrm>
+          <a:prstGeom prst="rect">
+            <a:avLst/>
+          </a:prstGeom>
+          <a:noFill/>
+        </p:spPr>
+        <p:txBody>
+          <a:bodyPr wrap="square" rtlCol="0" anchor="ctr">
+            <a:spAutoFit/>
+          </a:bodyPr>
+          <a:lstStyle/>
+          <a:p>
+            <a:pPr algn="ctr"/>
+            <a:r>
+              <a:rPr lang="de-DE" b="1" dirty="0"/>
+              <a:t>sunnyHOME </a:t>
+            </a:r>
+            <a:r>
+              <a:rPr lang="en-US" b="1" dirty="0"/>
+              <a:t>Wetter-Station</a:t>
+            </a:r>
+            <a:endParaRPr lang="en-US" sz="4874" b="1" kern="1200" dirty="0">
+              <a:solidFill>
+                <a:schemeClr val="tx1"/>
+              </a:solidFill>
+              <a:latin typeface="+mn-lt"/>
+              <a:ea typeface="+mn-ea"/>
+              <a:cs typeface="+mn-cs"/>
+            </a:endParaRPr>
+          </a:p>
+        </p:txBody>
+      </p:sp>
+      <mc:AlternateContent xmlns:mc="http://schemas.openxmlformats.org/markup-compatibility/2006">
+        <mc:Choice xmlns:p14="http://schemas.microsoft.com/office/powerpoint/2010/main" Requires="p14">
+          <p:contentPart p14:bwMode="auto" r:id="rId17">
+            <p14:nvContentPartPr>
+              <p14:cNvPr id="52" name="Freihand 51">
+                <a:extLst>
+                  <a:ext uri="{FF2B5EF4-FFF2-40B4-BE49-F238E27FC236}">
+                    <a16:creationId xmlns:a16="http://schemas.microsoft.com/office/drawing/2014/main" id="{483C6B10-76F3-4341-BFFE-700F87469654}"/>
+                  </a:ext>
+                </a:extLst>
+              </p14:cNvPr>
+              <p14:cNvContentPartPr/>
+              <p14:nvPr/>
+            </p14:nvContentPartPr>
+            <p14:xfrm>
+              <a:off x="15661281" y="12312494"/>
+              <a:ext cx="360" cy="360"/>
+            </p14:xfrm>
+          </p:contentPart>
+        </mc:Choice>
+        <mc:Fallback>
+          <p:pic>
+            <p:nvPicPr>
+              <p:cNvPr id="52" name="Freihand 51">
+                <a:extLst>
+                  <a:ext uri="{FF2B5EF4-FFF2-40B4-BE49-F238E27FC236}">
+                    <a16:creationId xmlns:a16="http://schemas.microsoft.com/office/drawing/2014/main" id="{483C6B10-76F3-4341-BFFE-700F87469654}"/>
+                  </a:ext>
+                </a:extLst>
+              </p:cNvPr>
+              <p:cNvPicPr/>
+              <p:nvPr/>
+            </p:nvPicPr>
+            <p:blipFill>
+              <a:blip r:embed="rId18"/>
+              <a:stretch>
+                <a:fillRect/>
+              </a:stretch>
+            </p:blipFill>
+            <p:spPr>
+              <a:xfrm>
+                <a:off x="15652281" y="12303494"/>
+                <a:ext cx="18000" cy="18000"/>
+              </a:xfrm>
+              <a:prstGeom prst="rect">
+                <a:avLst/>
+              </a:prstGeom>
+            </p:spPr>
+          </p:pic>
+        </mc:Fallback>
+      </mc:AlternateContent>
+      <p:cxnSp>
+        <p:nvCxnSpPr>
+          <p:cNvPr id="54" name="Gerade Verbindung mit Pfeil 53">
+            <a:extLst>
+              <a:ext uri="{FF2B5EF4-FFF2-40B4-BE49-F238E27FC236}">
+                <a16:creationId xmlns:a16="http://schemas.microsoft.com/office/drawing/2014/main" id="{0CBB710E-F155-4B63-90D1-C50F2FB9C39F}"/>
+              </a:ext>
+            </a:extLst>
+          </p:cNvPr>
+          <p:cNvCxnSpPr>
+            <a:cxnSpLocks/>
+          </p:cNvCxnSpPr>
+          <p:nvPr/>
+        </p:nvCxnSpPr>
+        <p:spPr>
+          <a:xfrm>
+            <a:off x="3954031" y="7907871"/>
+            <a:ext cx="1019375" cy="5703032"/>
+          </a:xfrm>
+          <a:prstGeom prst="straightConnector1">
+            <a:avLst/>
+          </a:prstGeom>
+          <a:ln w="76200">
+            <a:tailEnd type="triangle"/>
+          </a:ln>
+        </p:spPr>
+        <p:style>
+          <a:lnRef idx="3">
+            <a:schemeClr val="dk1"/>
+          </a:lnRef>
+          <a:fillRef idx="0">
+            <a:schemeClr val="dk1"/>
+          </a:fillRef>
+          <a:effectRef idx="2">
+            <a:schemeClr val="dk1"/>
+          </a:effectRef>
+          <a:fontRef idx="minor">
+            <a:schemeClr val="tx1"/>
+          </a:fontRef>
+        </p:style>
+      </p:cxnSp>
+      <p:cxnSp>
+        <p:nvCxnSpPr>
+          <p:cNvPr id="59" name="Gerade Verbindung mit Pfeil 58">
+            <a:extLst>
+              <a:ext uri="{FF2B5EF4-FFF2-40B4-BE49-F238E27FC236}">
+                <a16:creationId xmlns:a16="http://schemas.microsoft.com/office/drawing/2014/main" id="{175AB949-ED6B-4C12-B0AA-7DFED186CE6C}"/>
+              </a:ext>
+            </a:extLst>
+          </p:cNvPr>
+          <p:cNvCxnSpPr>
+            <a:cxnSpLocks/>
+          </p:cNvCxnSpPr>
+          <p:nvPr/>
+        </p:nvCxnSpPr>
+        <p:spPr>
+          <a:xfrm flipH="1">
+            <a:off x="5263177" y="7907871"/>
+            <a:ext cx="2900554" cy="5783014"/>
+          </a:xfrm>
+          <a:prstGeom prst="straightConnector1">
+            <a:avLst/>
+          </a:prstGeom>
+          <a:ln w="76200">
+            <a:tailEnd type="triangle"/>
+          </a:ln>
+        </p:spPr>
+        <p:style>
+          <a:lnRef idx="3">
+            <a:schemeClr val="dk1"/>
+          </a:lnRef>
+          <a:fillRef idx="0">
+            <a:schemeClr val="dk1"/>
+          </a:fillRef>
+          <a:effectRef idx="2">
+            <a:schemeClr val="dk1"/>
+          </a:effectRef>
+          <a:fontRef idx="minor">
+            <a:schemeClr val="tx1"/>
+          </a:fontRef>
+        </p:style>
+      </p:cxnSp>
+      <p:sp>
+        <p:nvSpPr>
+          <p:cNvPr id="66" name="Textfeld 65">
+            <a:extLst>
+              <a:ext uri="{FF2B5EF4-FFF2-40B4-BE49-F238E27FC236}">
+                <a16:creationId xmlns:a16="http://schemas.microsoft.com/office/drawing/2014/main" id="{5B808988-D9A3-47EF-8465-EE4182629DC1}"/>
+              </a:ext>
+            </a:extLst>
+          </p:cNvPr>
+          <p:cNvSpPr txBox="1"/>
+          <p:nvPr/>
+        </p:nvSpPr>
+        <p:spPr>
+          <a:xfrm>
+            <a:off x="4383081" y="7221012"/>
+            <a:ext cx="5089060" cy="646331"/>
+          </a:xfrm>
+          <a:prstGeom prst="rect">
+            <a:avLst/>
+          </a:prstGeom>
+          <a:noFill/>
+        </p:spPr>
+        <p:txBody>
+          <a:bodyPr wrap="square" rtlCol="0">
+            <a:spAutoFit/>
+          </a:bodyPr>
+          <a:lstStyle/>
+          <a:p>
+            <a:r>
+              <a:rPr lang="de-DE" sz="3600" dirty="0"/>
+              <a:t>GPS-Empfang</a:t>
+            </a:r>
+          </a:p>
+        </p:txBody>
+      </p:sp>
+      <p:sp>
+        <p:nvSpPr>
+          <p:cNvPr id="67" name="Textfeld 66">
+            <a:extLst>
+              <a:ext uri="{FF2B5EF4-FFF2-40B4-BE49-F238E27FC236}">
+                <a16:creationId xmlns:a16="http://schemas.microsoft.com/office/drawing/2014/main" id="{C0CEB2A9-BB62-4621-B779-C9075027294D}"/>
+              </a:ext>
+            </a:extLst>
+          </p:cNvPr>
+          <p:cNvSpPr txBox="1"/>
+          <p:nvPr/>
+        </p:nvSpPr>
+        <p:spPr>
+          <a:xfrm>
+            <a:off x="8550875" y="7815859"/>
+            <a:ext cx="5016823" cy="1200329"/>
+          </a:xfrm>
+          <a:prstGeom prst="rect">
+            <a:avLst/>
+          </a:prstGeom>
+          <a:noFill/>
+        </p:spPr>
+        <p:txBody>
+          <a:bodyPr wrap="none" rtlCol="0">
+            <a:spAutoFit/>
+          </a:bodyPr>
+          <a:lstStyle/>
+          <a:p>
+            <a:r>
+              <a:rPr lang="en-US" sz="3600" dirty="0"/>
+              <a:t>energy-harvesting</a:t>
+            </a:r>
+            <a:r>
+              <a:rPr lang="de-DE" sz="3600" dirty="0"/>
+              <a:t> </a:t>
+            </a:r>
+          </a:p>
+          <a:p>
+            <a:r>
+              <a:rPr lang="de-DE" sz="3600" dirty="0"/>
+              <a:t>mit Hilfe von Solarenergie</a:t>
+            </a:r>
+          </a:p>
+        </p:txBody>
+      </p:sp>
+      <p:pic>
+        <p:nvPicPr>
+          <p:cNvPr id="69" name="Grafik 68" descr="Drahtlosrouter">
+            <a:extLst>
+              <a:ext uri="{FF2B5EF4-FFF2-40B4-BE49-F238E27FC236}">
+                <a16:creationId xmlns:a16="http://schemas.microsoft.com/office/drawing/2014/main" id="{E22CB770-5DEC-4E78-8592-71B5FFA42C8B}"/>
+              </a:ext>
+            </a:extLst>
+          </p:cNvPr>
+          <p:cNvPicPr>
+            <a:picLocks noChangeAspect="1"/>
+          </p:cNvPicPr>
+          <p:nvPr/>
+        </p:nvPicPr>
+        <p:blipFill>
+          <a:blip r:embed="rId19">
+            <a:extLst>
+              <a:ext uri="{96DAC541-7B7A-43D3-8B79-37D633B846F1}">
+                <asvg:svgBlip xmlns:asvg="http://schemas.microsoft.com/office/drawing/2016/SVG/main" r:embed="rId20"/>
+              </a:ext>
+            </a:extLst>
+          </a:blip>
+          <a:stretch>
+            <a:fillRect/>
+          </a:stretch>
+        </p:blipFill>
+        <p:spPr>
+          <a:xfrm>
+            <a:off x="9377878" y="13958825"/>
+            <a:ext cx="1874322" cy="1874322"/>
+          </a:xfrm>
+          <a:prstGeom prst="rect">
+            <a:avLst/>
+          </a:prstGeom>
+        </p:spPr>
+      </p:pic>
+      <p:cxnSp>
+        <p:nvCxnSpPr>
+          <p:cNvPr id="70" name="Gerade Verbindung mit Pfeil 69">
+            <a:extLst>
+              <a:ext uri="{FF2B5EF4-FFF2-40B4-BE49-F238E27FC236}">
+                <a16:creationId xmlns:a16="http://schemas.microsoft.com/office/drawing/2014/main" id="{D803B738-783C-4778-85F6-4BB2DCA63521}"/>
+              </a:ext>
+            </a:extLst>
+          </p:cNvPr>
+          <p:cNvCxnSpPr>
+            <a:cxnSpLocks/>
+            <a:stCxn id="69" idx="3"/>
+            <a:endCxn id="24" idx="1"/>
+          </p:cNvCxnSpPr>
+          <p:nvPr/>
+        </p:nvCxnSpPr>
+        <p:spPr>
+          <a:xfrm>
+            <a:off x="11252200" y="14895986"/>
+            <a:ext cx="2032290" cy="887724"/>
+          </a:xfrm>
+          <a:prstGeom prst="straightConnector1">
+            <a:avLst/>
+          </a:prstGeom>
+          <a:ln w="76200">
+            <a:tailEnd type="triangle"/>
+          </a:ln>
+        </p:spPr>
+        <p:style>
+          <a:lnRef idx="3">
+            <a:schemeClr val="dk1"/>
+          </a:lnRef>
+          <a:fillRef idx="0">
+            <a:schemeClr val="dk1"/>
+          </a:fillRef>
+          <a:effectRef idx="2">
+            <a:schemeClr val="dk1"/>
+          </a:effectRef>
+          <a:fontRef idx="minor">
+            <a:schemeClr val="tx1"/>
+          </a:fontRef>
+        </p:style>
+      </p:cxnSp>
+      <p:cxnSp>
+        <p:nvCxnSpPr>
+          <p:cNvPr id="71" name="Gerade Verbindung mit Pfeil 70">
+            <a:extLst>
+              <a:ext uri="{FF2B5EF4-FFF2-40B4-BE49-F238E27FC236}">
+                <a16:creationId xmlns:a16="http://schemas.microsoft.com/office/drawing/2014/main" id="{A2460813-9B97-44CA-AF84-529C4628E028}"/>
+              </a:ext>
+            </a:extLst>
+          </p:cNvPr>
+          <p:cNvCxnSpPr>
+            <a:cxnSpLocks/>
+            <a:stCxn id="69" idx="3"/>
+            <a:endCxn id="22" idx="1"/>
+          </p:cNvCxnSpPr>
+          <p:nvPr/>
+        </p:nvCxnSpPr>
+        <p:spPr>
+          <a:xfrm flipV="1">
+            <a:off x="11252200" y="13962855"/>
+            <a:ext cx="2026576" cy="933131"/>
+          </a:xfrm>
+          <a:prstGeom prst="straightConnector1">
+            <a:avLst/>
+          </a:prstGeom>
+          <a:ln w="76200">
+            <a:tailEnd type="triangle"/>
+          </a:ln>
+        </p:spPr>
+        <p:style>
+          <a:lnRef idx="3">
+            <a:schemeClr val="dk1"/>
+          </a:lnRef>
+          <a:fillRef idx="0">
+            <a:schemeClr val="dk1"/>
+          </a:fillRef>
+          <a:effectRef idx="2">
+            <a:schemeClr val="dk1"/>
+          </a:effectRef>
+          <a:fontRef idx="minor">
+            <a:schemeClr val="tx1"/>
+          </a:fontRef>
+        </p:style>
+      </p:cxnSp>
+      <p:cxnSp>
+        <p:nvCxnSpPr>
+          <p:cNvPr id="72" name="Gerade Verbindung mit Pfeil 71">
+            <a:extLst>
+              <a:ext uri="{FF2B5EF4-FFF2-40B4-BE49-F238E27FC236}">
+                <a16:creationId xmlns:a16="http://schemas.microsoft.com/office/drawing/2014/main" id="{A0995E1C-7841-4D9F-8CFB-ED6B878C9458}"/>
+              </a:ext>
+            </a:extLst>
+          </p:cNvPr>
+          <p:cNvCxnSpPr>
+            <a:cxnSpLocks/>
+            <a:stCxn id="51" idx="3"/>
+            <a:endCxn id="69" idx="1"/>
+          </p:cNvCxnSpPr>
+          <p:nvPr/>
+        </p:nvCxnSpPr>
+        <p:spPr>
+          <a:xfrm flipV="1">
+            <a:off x="7327048" y="14895986"/>
+            <a:ext cx="2050830" cy="1"/>
+          </a:xfrm>
+          <a:prstGeom prst="straightConnector1">
+            <a:avLst/>
+          </a:prstGeom>
+          <a:ln w="76200">
+            <a:tailEnd type="triangle"/>
+          </a:ln>
+        </p:spPr>
+        <p:style>
+          <a:lnRef idx="3">
+            <a:schemeClr val="dk1"/>
+          </a:lnRef>
+          <a:fillRef idx="0">
+            <a:schemeClr val="dk1"/>
+          </a:fillRef>
+          <a:effectRef idx="2">
+            <a:schemeClr val="dk1"/>
+          </a:effectRef>
+          <a:fontRef idx="minor">
+            <a:schemeClr val="tx1"/>
+          </a:fontRef>
+        </p:style>
+      </p:cxnSp>
+      <p:sp>
+        <p:nvSpPr>
+          <p:cNvPr id="89" name="Textfeld 88">
+            <a:extLst>
+              <a:ext uri="{FF2B5EF4-FFF2-40B4-BE49-F238E27FC236}">
+                <a16:creationId xmlns:a16="http://schemas.microsoft.com/office/drawing/2014/main" id="{85426F03-4521-487C-8C22-AAB04CA7EAF8}"/>
+              </a:ext>
+            </a:extLst>
+          </p:cNvPr>
+          <p:cNvSpPr txBox="1"/>
+          <p:nvPr/>
+        </p:nvSpPr>
+        <p:spPr>
+          <a:xfrm>
+            <a:off x="16030053" y="9636871"/>
+            <a:ext cx="13836224" cy="8655446"/>
+          </a:xfrm>
+          <a:prstGeom prst="rect">
+            <a:avLst/>
+          </a:prstGeom>
+          <a:noFill/>
+        </p:spPr>
+        <p:txBody>
+          <a:bodyPr wrap="none" rtlCol="0">
+            <a:spAutoFit/>
+          </a:bodyPr>
+          <a:lstStyle/>
+          <a:p>
+            <a:r>
+              <a:rPr lang="en-US" dirty="0"/>
+              <a:t>FEATURES:</a:t>
+            </a:r>
+          </a:p>
+          <a:p>
+            <a:pPr marL="685800" indent="-685800">
+              <a:buFont typeface="Arial" panose="020B0604020202020204" pitchFamily="34" charset="0"/>
+              <a:buChar char="•"/>
+            </a:pPr>
+            <a:r>
+              <a:rPr lang="en-US" sz="4400" dirty="0"/>
+              <a:t>energy self-sufficient system (only solar power)</a:t>
+            </a:r>
+          </a:p>
+          <a:p>
+            <a:pPr marL="685800" indent="-685800">
+              <a:buFont typeface="Arial" panose="020B0604020202020204" pitchFamily="34" charset="0"/>
+              <a:buChar char="•"/>
+            </a:pPr>
+            <a:r>
+              <a:rPr lang="en-US" sz="4400" dirty="0"/>
+              <a:t>modular weather system (multiple sensor opportunities)</a:t>
+            </a:r>
+          </a:p>
+          <a:p>
+            <a:pPr marL="685800" indent="-685800">
+              <a:buFont typeface="Arial" panose="020B0604020202020204" pitchFamily="34" charset="0"/>
+              <a:buChar char="•"/>
+            </a:pPr>
+            <a:r>
+              <a:rPr lang="en-US" sz="4400" dirty="0"/>
+              <a:t>easy connection to other devices</a:t>
+            </a:r>
+          </a:p>
+          <a:p>
+            <a:pPr marL="685800" indent="-685800">
+              <a:buFont typeface="Arial" panose="020B0604020202020204" pitchFamily="34" charset="0"/>
+              <a:buChar char="•"/>
+            </a:pPr>
+            <a:r>
+              <a:rPr lang="en-US" sz="4400" dirty="0"/>
+              <a:t>live GPS-</a:t>
+            </a:r>
+            <a:r>
+              <a:rPr lang="en-US" sz="4400" dirty="0" err="1"/>
+              <a:t>receivement</a:t>
+            </a:r>
+            <a:endParaRPr lang="en-US" sz="4400" dirty="0"/>
+          </a:p>
+          <a:p>
+            <a:pPr marL="685800" indent="-685800">
+              <a:buFont typeface="Arial" panose="020B0604020202020204" pitchFamily="34" charset="0"/>
+              <a:buChar char="•"/>
+            </a:pPr>
+            <a:r>
+              <a:rPr lang="en-US" sz="4400" dirty="0"/>
+              <a:t>small, portable and water-resistant shell</a:t>
+            </a:r>
+          </a:p>
+          <a:p>
+            <a:pPr marL="685800" indent="-685800">
+              <a:buFont typeface="Arial" panose="020B0604020202020204" pitchFamily="34" charset="0"/>
+              <a:buChar char="•"/>
+            </a:pPr>
+            <a:r>
+              <a:rPr lang="en-US" sz="4400" dirty="0"/>
+              <a:t>all codes and hardware-configs are open-source</a:t>
+            </a:r>
+          </a:p>
+          <a:p>
+            <a:pPr marL="685800" indent="-685800">
+              <a:buFont typeface="Arial" panose="020B0604020202020204" pitchFamily="34" charset="0"/>
+              <a:buChar char="•"/>
+            </a:pPr>
+            <a:endParaRPr lang="en-US" dirty="0"/>
+          </a:p>
+          <a:p>
+            <a:pPr marL="685800" indent="-685800">
+              <a:buFont typeface="Arial" panose="020B0604020202020204" pitchFamily="34" charset="0"/>
+              <a:buChar char="•"/>
+            </a:pPr>
+            <a:endParaRPr lang="en-US" dirty="0"/>
+          </a:p>
+          <a:p>
+            <a:pPr marL="685800" indent="-685800">
+              <a:buFont typeface="Arial" panose="020B0604020202020204" pitchFamily="34" charset="0"/>
+              <a:buChar char="•"/>
+            </a:pPr>
+            <a:endParaRPr lang="en-US" dirty="0"/>
+          </a:p>
+          <a:p>
+            <a:pPr marL="685800" indent="-685800">
+              <a:buFont typeface="Arial" panose="020B0604020202020204" pitchFamily="34" charset="0"/>
+              <a:buChar char="•"/>
+            </a:pPr>
+            <a:endParaRPr lang="en-US" dirty="0"/>
+          </a:p>
+          <a:p>
+            <a:pPr marL="685800" indent="-685800">
+              <a:buFont typeface="Arial" panose="020B0604020202020204" pitchFamily="34" charset="0"/>
+              <a:buChar char="•"/>
+            </a:pPr>
+            <a:endParaRPr lang="en-US" dirty="0"/>
+          </a:p>
+        </p:txBody>
+      </p:sp>
     </p:spTree>
     <p:extLst>
       <p:ext uri="{BB962C8B-B14F-4D97-AF65-F5344CB8AC3E}">

--- a/Media/sunnyHome Plakat.pptx
+++ b/Media/sunnyHome Plakat.pptx
@@ -4,6 +4,9 @@
   <p:sldMasterIdLst>
     <p:sldMasterId id="2147483662" r:id="rId1"/>
   </p:sldMasterIdLst>
+  <p:notesMasterIdLst>
+    <p:notesMasterId r:id="rId3"/>
+  </p:notesMasterIdLst>
   <p:sldIdLst>
     <p:sldId id="257" r:id="rId2"/>
   </p:sldIdLst>
@@ -172,6 +175,439 @@
   </inkml:definitions>
   <inkml:trace contextRef="#ctx0" brushRef="#br0">0 0 9352 0 0,'0'0'0'0'0,"0"0"0"0"0,0 0 0 0 0,0 0 376 0 0,0 0 0 0 0,0 0 0 0 0,0 0 0 0 0,0 0-144 0 0,0 0 8 0 0,0 0 0 0 0,0 0 0 0 0,0 0-7656 0 0</inkml:trace>
 </inkml:ink>
+</file>
+
+<file path=ppt/notesMasters/notesMaster1.xml><?xml version="1.0" encoding="utf-8"?>
+<p:notesMaster xmlns:a="http://schemas.openxmlformats.org/drawingml/2006/main" xmlns:r="http://schemas.openxmlformats.org/officeDocument/2006/relationships" xmlns:p="http://schemas.openxmlformats.org/presentationml/2006/main">
+  <p:cSld>
+    <p:bg>
+      <p:bgRef idx="1001">
+        <a:schemeClr val="bg1"/>
+      </p:bgRef>
+    </p:bg>
+    <p:spTree>
+      <p:nvGrpSpPr>
+        <p:cNvPr id="1" name=""/>
+        <p:cNvGrpSpPr/>
+        <p:nvPr/>
+      </p:nvGrpSpPr>
+      <p:grpSpPr>
+        <a:xfrm>
+          <a:off x="0" y="0"/>
+          <a:ext cx="0" cy="0"/>
+          <a:chOff x="0" y="0"/>
+          <a:chExt cx="0" cy="0"/>
+        </a:xfrm>
+      </p:grpSpPr>
+      <p:sp>
+        <p:nvSpPr>
+          <p:cNvPr id="2" name="Kopfzeilenplatzhalter 1"/>
+          <p:cNvSpPr>
+            <a:spLocks noGrp="1"/>
+          </p:cNvSpPr>
+          <p:nvPr>
+            <p:ph type="hdr" sz="quarter"/>
+          </p:nvPr>
+        </p:nvSpPr>
+        <p:spPr>
+          <a:xfrm>
+            <a:off x="0" y="0"/>
+            <a:ext cx="2971800" cy="458788"/>
+          </a:xfrm>
+          <a:prstGeom prst="rect">
+            <a:avLst/>
+          </a:prstGeom>
+        </p:spPr>
+        <p:txBody>
+          <a:bodyPr vert="horz" lIns="91440" tIns="45720" rIns="91440" bIns="45720" rtlCol="0"/>
+          <a:lstStyle>
+            <a:lvl1pPr algn="l">
+              <a:defRPr sz="1200"/>
+            </a:lvl1pPr>
+          </a:lstStyle>
+          <a:p>
+            <a:endParaRPr lang="de-DE"/>
+          </a:p>
+        </p:txBody>
+      </p:sp>
+      <p:sp>
+        <p:nvSpPr>
+          <p:cNvPr id="3" name="Datumsplatzhalter 2"/>
+          <p:cNvSpPr>
+            <a:spLocks noGrp="1"/>
+          </p:cNvSpPr>
+          <p:nvPr>
+            <p:ph type="dt" idx="1"/>
+          </p:nvPr>
+        </p:nvSpPr>
+        <p:spPr>
+          <a:xfrm>
+            <a:off x="3884613" y="0"/>
+            <a:ext cx="2971800" cy="458788"/>
+          </a:xfrm>
+          <a:prstGeom prst="rect">
+            <a:avLst/>
+          </a:prstGeom>
+        </p:spPr>
+        <p:txBody>
+          <a:bodyPr vert="horz" lIns="91440" tIns="45720" rIns="91440" bIns="45720" rtlCol="0"/>
+          <a:lstStyle>
+            <a:lvl1pPr algn="r">
+              <a:defRPr sz="1200"/>
+            </a:lvl1pPr>
+          </a:lstStyle>
+          <a:p>
+            <a:fld id="{E66E1E39-366F-408E-8D11-4BE8EA6E0D50}" type="datetimeFigureOut">
+              <a:rPr lang="de-DE" smtClean="0"/>
+              <a:t>29.11.2018</a:t>
+            </a:fld>
+            <a:endParaRPr lang="de-DE"/>
+          </a:p>
+        </p:txBody>
+      </p:sp>
+      <p:sp>
+        <p:nvSpPr>
+          <p:cNvPr id="4" name="Folienbildplatzhalter 3"/>
+          <p:cNvSpPr>
+            <a:spLocks noGrp="1" noRot="1" noChangeAspect="1"/>
+          </p:cNvSpPr>
+          <p:nvPr>
+            <p:ph type="sldImg" idx="2"/>
+          </p:nvPr>
+        </p:nvSpPr>
+        <p:spPr>
+          <a:xfrm>
+            <a:off x="1244600" y="1143000"/>
+            <a:ext cx="4368800" cy="3086100"/>
+          </a:xfrm>
+          <a:prstGeom prst="rect">
+            <a:avLst/>
+          </a:prstGeom>
+          <a:noFill/>
+          <a:ln w="12700">
+            <a:solidFill>
+              <a:prstClr val="black"/>
+            </a:solidFill>
+          </a:ln>
+        </p:spPr>
+        <p:txBody>
+          <a:bodyPr vert="horz" lIns="91440" tIns="45720" rIns="91440" bIns="45720" rtlCol="0" anchor="ctr"/>
+          <a:lstStyle/>
+          <a:p>
+            <a:endParaRPr lang="de-DE"/>
+          </a:p>
+        </p:txBody>
+      </p:sp>
+      <p:sp>
+        <p:nvSpPr>
+          <p:cNvPr id="5" name="Notizenplatzhalter 4"/>
+          <p:cNvSpPr>
+            <a:spLocks noGrp="1"/>
+          </p:cNvSpPr>
+          <p:nvPr>
+            <p:ph type="body" sz="quarter" idx="3"/>
+          </p:nvPr>
+        </p:nvSpPr>
+        <p:spPr>
+          <a:xfrm>
+            <a:off x="685800" y="4400550"/>
+            <a:ext cx="5486400" cy="3600450"/>
+          </a:xfrm>
+          <a:prstGeom prst="rect">
+            <a:avLst/>
+          </a:prstGeom>
+        </p:spPr>
+        <p:txBody>
+          <a:bodyPr vert="horz" lIns="91440" tIns="45720" rIns="91440" bIns="45720" rtlCol="0"/>
+          <a:lstStyle/>
+          <a:p>
+            <a:pPr lvl="0"/>
+            <a:r>
+              <a:rPr lang="de-DE"/>
+              <a:t>Mastertextformat bearbeiten</a:t>
+            </a:r>
+          </a:p>
+          <a:p>
+            <a:pPr lvl="1"/>
+            <a:r>
+              <a:rPr lang="de-DE"/>
+              <a:t>Zweite Ebene</a:t>
+            </a:r>
+          </a:p>
+          <a:p>
+            <a:pPr lvl="2"/>
+            <a:r>
+              <a:rPr lang="de-DE"/>
+              <a:t>Dritte Ebene</a:t>
+            </a:r>
+          </a:p>
+          <a:p>
+            <a:pPr lvl="3"/>
+            <a:r>
+              <a:rPr lang="de-DE"/>
+              <a:t>Vierte Ebene</a:t>
+            </a:r>
+          </a:p>
+          <a:p>
+            <a:pPr lvl="4"/>
+            <a:r>
+              <a:rPr lang="de-DE"/>
+              <a:t>Fünfte Ebene</a:t>
+            </a:r>
+          </a:p>
+        </p:txBody>
+      </p:sp>
+      <p:sp>
+        <p:nvSpPr>
+          <p:cNvPr id="6" name="Fußzeilenplatzhalter 5"/>
+          <p:cNvSpPr>
+            <a:spLocks noGrp="1"/>
+          </p:cNvSpPr>
+          <p:nvPr>
+            <p:ph type="ftr" sz="quarter" idx="4"/>
+          </p:nvPr>
+        </p:nvSpPr>
+        <p:spPr>
+          <a:xfrm>
+            <a:off x="0" y="8685213"/>
+            <a:ext cx="2971800" cy="458787"/>
+          </a:xfrm>
+          <a:prstGeom prst="rect">
+            <a:avLst/>
+          </a:prstGeom>
+        </p:spPr>
+        <p:txBody>
+          <a:bodyPr vert="horz" lIns="91440" tIns="45720" rIns="91440" bIns="45720" rtlCol="0" anchor="b"/>
+          <a:lstStyle>
+            <a:lvl1pPr algn="l">
+              <a:defRPr sz="1200"/>
+            </a:lvl1pPr>
+          </a:lstStyle>
+          <a:p>
+            <a:endParaRPr lang="de-DE"/>
+          </a:p>
+        </p:txBody>
+      </p:sp>
+      <p:sp>
+        <p:nvSpPr>
+          <p:cNvPr id="7" name="Foliennummernplatzhalter 6"/>
+          <p:cNvSpPr>
+            <a:spLocks noGrp="1"/>
+          </p:cNvSpPr>
+          <p:nvPr>
+            <p:ph type="sldNum" sz="quarter" idx="5"/>
+          </p:nvPr>
+        </p:nvSpPr>
+        <p:spPr>
+          <a:xfrm>
+            <a:off x="3884613" y="8685213"/>
+            <a:ext cx="2971800" cy="458787"/>
+          </a:xfrm>
+          <a:prstGeom prst="rect">
+            <a:avLst/>
+          </a:prstGeom>
+        </p:spPr>
+        <p:txBody>
+          <a:bodyPr vert="horz" lIns="91440" tIns="45720" rIns="91440" bIns="45720" rtlCol="0" anchor="b"/>
+          <a:lstStyle>
+            <a:lvl1pPr algn="r">
+              <a:defRPr sz="1200"/>
+            </a:lvl1pPr>
+          </a:lstStyle>
+          <a:p>
+            <a:fld id="{02C5F0B8-63D2-447D-8113-E0773DCAE87E}" type="slidenum">
+              <a:rPr lang="de-DE" smtClean="0"/>
+              <a:t>‹Nr.›</a:t>
+            </a:fld>
+            <a:endParaRPr lang="de-DE"/>
+          </a:p>
+        </p:txBody>
+      </p:sp>
+    </p:spTree>
+    <p:extLst>
+      <p:ext uri="{BB962C8B-B14F-4D97-AF65-F5344CB8AC3E}">
+        <p14:creationId xmlns:p14="http://schemas.microsoft.com/office/powerpoint/2010/main" val="2383355153"/>
+      </p:ext>
+    </p:extLst>
+  </p:cSld>
+  <p:clrMap bg1="lt1" tx1="dk1" bg2="lt2" tx2="dk2" accent1="accent1" accent2="accent2" accent3="accent3" accent4="accent4" accent5="accent5" accent6="accent6" hlink="hlink" folHlink="folHlink"/>
+  <p:notesStyle>
+    <a:lvl1pPr marL="0" algn="l" defTabSz="914400" rtl="0" eaLnBrk="1" latinLnBrk="0" hangingPunct="1">
+      <a:defRPr sz="1200" kern="1200">
+        <a:solidFill>
+          <a:schemeClr val="tx1"/>
+        </a:solidFill>
+        <a:latin typeface="+mn-lt"/>
+        <a:ea typeface="+mn-ea"/>
+        <a:cs typeface="+mn-cs"/>
+      </a:defRPr>
+    </a:lvl1pPr>
+    <a:lvl2pPr marL="457200" algn="l" defTabSz="914400" rtl="0" eaLnBrk="1" latinLnBrk="0" hangingPunct="1">
+      <a:defRPr sz="1200" kern="1200">
+        <a:solidFill>
+          <a:schemeClr val="tx1"/>
+        </a:solidFill>
+        <a:latin typeface="+mn-lt"/>
+        <a:ea typeface="+mn-ea"/>
+        <a:cs typeface="+mn-cs"/>
+      </a:defRPr>
+    </a:lvl2pPr>
+    <a:lvl3pPr marL="914400" algn="l" defTabSz="914400" rtl="0" eaLnBrk="1" latinLnBrk="0" hangingPunct="1">
+      <a:defRPr sz="1200" kern="1200">
+        <a:solidFill>
+          <a:schemeClr val="tx1"/>
+        </a:solidFill>
+        <a:latin typeface="+mn-lt"/>
+        <a:ea typeface="+mn-ea"/>
+        <a:cs typeface="+mn-cs"/>
+      </a:defRPr>
+    </a:lvl3pPr>
+    <a:lvl4pPr marL="1371600" algn="l" defTabSz="914400" rtl="0" eaLnBrk="1" latinLnBrk="0" hangingPunct="1">
+      <a:defRPr sz="1200" kern="1200">
+        <a:solidFill>
+          <a:schemeClr val="tx1"/>
+        </a:solidFill>
+        <a:latin typeface="+mn-lt"/>
+        <a:ea typeface="+mn-ea"/>
+        <a:cs typeface="+mn-cs"/>
+      </a:defRPr>
+    </a:lvl4pPr>
+    <a:lvl5pPr marL="1828800" algn="l" defTabSz="914400" rtl="0" eaLnBrk="1" latinLnBrk="0" hangingPunct="1">
+      <a:defRPr sz="1200" kern="1200">
+        <a:solidFill>
+          <a:schemeClr val="tx1"/>
+        </a:solidFill>
+        <a:latin typeface="+mn-lt"/>
+        <a:ea typeface="+mn-ea"/>
+        <a:cs typeface="+mn-cs"/>
+      </a:defRPr>
+    </a:lvl5pPr>
+    <a:lvl6pPr marL="2286000" algn="l" defTabSz="914400" rtl="0" eaLnBrk="1" latinLnBrk="0" hangingPunct="1">
+      <a:defRPr sz="1200" kern="1200">
+        <a:solidFill>
+          <a:schemeClr val="tx1"/>
+        </a:solidFill>
+        <a:latin typeface="+mn-lt"/>
+        <a:ea typeface="+mn-ea"/>
+        <a:cs typeface="+mn-cs"/>
+      </a:defRPr>
+    </a:lvl6pPr>
+    <a:lvl7pPr marL="2743200" algn="l" defTabSz="914400" rtl="0" eaLnBrk="1" latinLnBrk="0" hangingPunct="1">
+      <a:defRPr sz="1200" kern="1200">
+        <a:solidFill>
+          <a:schemeClr val="tx1"/>
+        </a:solidFill>
+        <a:latin typeface="+mn-lt"/>
+        <a:ea typeface="+mn-ea"/>
+        <a:cs typeface="+mn-cs"/>
+      </a:defRPr>
+    </a:lvl7pPr>
+    <a:lvl8pPr marL="3200400" algn="l" defTabSz="914400" rtl="0" eaLnBrk="1" latinLnBrk="0" hangingPunct="1">
+      <a:defRPr sz="1200" kern="1200">
+        <a:solidFill>
+          <a:schemeClr val="tx1"/>
+        </a:solidFill>
+        <a:latin typeface="+mn-lt"/>
+        <a:ea typeface="+mn-ea"/>
+        <a:cs typeface="+mn-cs"/>
+      </a:defRPr>
+    </a:lvl8pPr>
+    <a:lvl9pPr marL="3657600" algn="l" defTabSz="914400" rtl="0" eaLnBrk="1" latinLnBrk="0" hangingPunct="1">
+      <a:defRPr sz="1200" kern="1200">
+        <a:solidFill>
+          <a:schemeClr val="tx1"/>
+        </a:solidFill>
+        <a:latin typeface="+mn-lt"/>
+        <a:ea typeface="+mn-ea"/>
+        <a:cs typeface="+mn-cs"/>
+      </a:defRPr>
+    </a:lvl9pPr>
+  </p:notesStyle>
+</p:notesMaster>
+</file>
+
+<file path=ppt/notesSlides/notesSlide1.xml><?xml version="1.0" encoding="utf-8"?>
+<p:notes xmlns:a="http://schemas.openxmlformats.org/drawingml/2006/main" xmlns:r="http://schemas.openxmlformats.org/officeDocument/2006/relationships" xmlns:p="http://schemas.openxmlformats.org/presentationml/2006/main">
+  <p:cSld>
+    <p:spTree>
+      <p:nvGrpSpPr>
+        <p:cNvPr id="1" name=""/>
+        <p:cNvGrpSpPr/>
+        <p:nvPr/>
+      </p:nvGrpSpPr>
+      <p:grpSpPr>
+        <a:xfrm>
+          <a:off x="0" y="0"/>
+          <a:ext cx="0" cy="0"/>
+          <a:chOff x="0" y="0"/>
+          <a:chExt cx="0" cy="0"/>
+        </a:xfrm>
+      </p:grpSpPr>
+      <p:sp>
+        <p:nvSpPr>
+          <p:cNvPr id="2" name="Folienbildplatzhalter 1"/>
+          <p:cNvSpPr>
+            <a:spLocks noGrp="1" noRot="1" noChangeAspect="1"/>
+          </p:cNvSpPr>
+          <p:nvPr>
+            <p:ph type="sldImg"/>
+          </p:nvPr>
+        </p:nvSpPr>
+        <p:spPr/>
+      </p:sp>
+      <p:sp>
+        <p:nvSpPr>
+          <p:cNvPr id="3" name="Notizenplatzhalter 2"/>
+          <p:cNvSpPr>
+            <a:spLocks noGrp="1"/>
+          </p:cNvSpPr>
+          <p:nvPr>
+            <p:ph type="body" idx="1"/>
+          </p:nvPr>
+        </p:nvSpPr>
+        <p:spPr/>
+        <p:txBody>
+          <a:bodyPr/>
+          <a:lstStyle/>
+          <a:p>
+            <a:endParaRPr lang="de-DE" dirty="0"/>
+          </a:p>
+        </p:txBody>
+      </p:sp>
+      <p:sp>
+        <p:nvSpPr>
+          <p:cNvPr id="4" name="Foliennummernplatzhalter 3"/>
+          <p:cNvSpPr>
+            <a:spLocks noGrp="1"/>
+          </p:cNvSpPr>
+          <p:nvPr>
+            <p:ph type="sldNum" sz="quarter" idx="5"/>
+          </p:nvPr>
+        </p:nvSpPr>
+        <p:spPr/>
+        <p:txBody>
+          <a:bodyPr/>
+          <a:lstStyle/>
+          <a:p>
+            <a:fld id="{02C5F0B8-63D2-447D-8113-E0773DCAE87E}" type="slidenum">
+              <a:rPr lang="de-DE" smtClean="0"/>
+              <a:t>1</a:t>
+            </a:fld>
+            <a:endParaRPr lang="de-DE"/>
+          </a:p>
+        </p:txBody>
+      </p:sp>
+    </p:spTree>
+    <p:extLst>
+      <p:ext uri="{BB962C8B-B14F-4D97-AF65-F5344CB8AC3E}">
+        <p14:creationId xmlns:p14="http://schemas.microsoft.com/office/powerpoint/2010/main" val="426528837"/>
+      </p:ext>
+    </p:extLst>
+  </p:cSld>
+  <p:clrMapOvr>
+    <a:masterClrMapping/>
+  </p:clrMapOvr>
+</p:notes>
 </file>
 
 <file path=ppt/slideLayouts/slideLayout1.xml><?xml version="1.0" encoding="utf-8"?>
@@ -1342,7 +1778,7 @@
                   </a:schemeClr>
                 </a:solidFill>
               </a:rPr>
-              <a:t>eine autarke Wetterstation</a:t>
+              <a:t>Die entwicklerfreundliche Wetterstation</a:t>
             </a:r>
           </a:p>
         </p:txBody>
@@ -1356,7 +1792,7 @@
           <p:nvPr/>
         </p:nvPicPr>
         <p:blipFill>
-          <a:blip r:embed="rId2">
+          <a:blip r:embed="rId3">
             <a:extLst>
               <a:ext uri="{28A0092B-C50C-407E-A947-70E740481C1C}">
                 <a14:useLocalDpi xmlns:a14="http://schemas.microsoft.com/office/drawing/2010/main"/>
@@ -1559,21 +1995,8 @@
                   <a:schemeClr val="bg1"/>
                 </a:solidFill>
               </a:rPr>
-              <a:t>Roland </a:t>
-            </a:r>
-            <a:r>
-              <a:rPr lang="de-DE" sz="3200" dirty="0" err="1">
-                <a:solidFill>
-                  <a:schemeClr val="bg1"/>
-                </a:solidFill>
-              </a:rPr>
-              <a:t>Sageder</a:t>
-            </a:r>
-            <a:endParaRPr lang="de-DE" sz="3200" dirty="0">
-              <a:solidFill>
-                <a:schemeClr val="bg1"/>
-              </a:solidFill>
-            </a:endParaRPr>
+              <a:t>Roland Sageder</a:t>
+            </a:r>
           </a:p>
         </p:txBody>
       </p:sp>
@@ -1669,15 +2092,15 @@
           <p:nvPr/>
         </p:nvPicPr>
         <p:blipFill>
-          <a:blip r:embed="rId3"/>
+          <a:blip r:embed="rId4"/>
           <a:stretch>
             <a:fillRect/>
           </a:stretch>
         </p:blipFill>
         <p:spPr>
           <a:xfrm>
-            <a:off x="18143086" y="1998863"/>
-            <a:ext cx="7737133" cy="4898347"/>
+            <a:off x="18020655" y="3110222"/>
+            <a:ext cx="8251526" cy="5220509"/>
           </a:xfrm>
           <a:prstGeom prst="rect">
             <a:avLst/>
@@ -1699,10 +2122,10 @@
           <p:nvPr/>
         </p:nvPicPr>
         <p:blipFill>
-          <a:blip r:embed="rId4">
+          <a:blip r:embed="rId5">
             <a:extLst>
               <a:ext uri="{96DAC541-7B7A-43D3-8B79-37D633B846F1}">
-                <asvg:svgBlip xmlns:asvg="http://schemas.microsoft.com/office/drawing/2016/SVG/main" r:embed="rId5"/>
+                <asvg:svgBlip xmlns:asvg="http://schemas.microsoft.com/office/drawing/2016/SVG/main" r:embed="rId6"/>
               </a:ext>
             </a:extLst>
           </a:blip>
@@ -1735,10 +2158,10 @@
           <p:nvPr/>
         </p:nvPicPr>
         <p:blipFill>
-          <a:blip r:embed="rId6">
+          <a:blip r:embed="rId7">
             <a:extLst>
               <a:ext uri="{96DAC541-7B7A-43D3-8B79-37D633B846F1}">
-                <asvg:svgBlip xmlns:asvg="http://schemas.microsoft.com/office/drawing/2016/SVG/main" r:embed="rId7"/>
+                <asvg:svgBlip xmlns:asvg="http://schemas.microsoft.com/office/drawing/2016/SVG/main" r:embed="rId8"/>
               </a:ext>
             </a:extLst>
           </a:blip>
@@ -1771,10 +2194,10 @@
           <p:nvPr/>
         </p:nvPicPr>
         <p:blipFill>
-          <a:blip r:embed="rId8">
+          <a:blip r:embed="rId9">
             <a:extLst>
               <a:ext uri="{96DAC541-7B7A-43D3-8B79-37D633B846F1}">
-                <asvg:svgBlip xmlns:asvg="http://schemas.microsoft.com/office/drawing/2016/SVG/main" r:embed="rId9"/>
+                <asvg:svgBlip xmlns:asvg="http://schemas.microsoft.com/office/drawing/2016/SVG/main" r:embed="rId10"/>
               </a:ext>
             </a:extLst>
           </a:blip>
@@ -1807,10 +2230,10 @@
           <p:nvPr/>
         </p:nvPicPr>
         <p:blipFill>
-          <a:blip r:embed="rId10">
+          <a:blip r:embed="rId11">
             <a:extLst>
               <a:ext uri="{96DAC541-7B7A-43D3-8B79-37D633B846F1}">
-                <asvg:svgBlip xmlns:asvg="http://schemas.microsoft.com/office/drawing/2016/SVG/main" r:embed="rId11"/>
+                <asvg:svgBlip xmlns:asvg="http://schemas.microsoft.com/office/drawing/2016/SVG/main" r:embed="rId12"/>
               </a:ext>
             </a:extLst>
           </a:blip>
@@ -1843,10 +2266,10 @@
           <p:nvPr/>
         </p:nvPicPr>
         <p:blipFill>
-          <a:blip r:embed="rId12">
+          <a:blip r:embed="rId13">
             <a:extLst>
               <a:ext uri="{96DAC541-7B7A-43D3-8B79-37D633B846F1}">
-                <asvg:svgBlip xmlns:asvg="http://schemas.microsoft.com/office/drawing/2016/SVG/main" r:embed="rId13"/>
+                <asvg:svgBlip xmlns:asvg="http://schemas.microsoft.com/office/drawing/2016/SVG/main" r:embed="rId14"/>
               </a:ext>
             </a:extLst>
           </a:blip>
@@ -1879,7 +2302,7 @@
           <p:nvPr/>
         </p:nvPicPr>
         <p:blipFill>
-          <a:blip r:embed="rId14"/>
+          <a:blip r:embed="rId15"/>
           <a:stretch>
             <a:fillRect/>
           </a:stretch>
@@ -1943,9 +2366,9 @@
           </a:p>
         </p:txBody>
       </p:sp>
-      <mc:AlternateContent xmlns:mc="http://schemas.openxmlformats.org/markup-compatibility/2006">
-        <mc:Choice xmlns:p14="http://schemas.microsoft.com/office/powerpoint/2010/main" Requires="p14">
-          <p:contentPart p14:bwMode="auto" r:id="rId15">
+      <mc:AlternateContent xmlns:mc="http://schemas.openxmlformats.org/markup-compatibility/2006" xmlns:p14="http://schemas.microsoft.com/office/powerpoint/2010/main">
+        <mc:Choice Requires="p14">
+          <p:contentPart p14:bwMode="auto" r:id="rId16">
             <p14:nvContentPartPr>
               <p14:cNvPr id="48" name="Freihand 47">
                 <a:extLst>
@@ -1963,7 +2386,7 @@
             </p14:xfrm>
           </p:contentPart>
         </mc:Choice>
-        <mc:Fallback>
+        <mc:Fallback xmlns="">
           <p:pic>
             <p:nvPicPr>
               <p:cNvPr id="48" name="Freihand 47">
@@ -1977,7 +2400,7 @@
               <p:nvPr/>
             </p:nvPicPr>
             <p:blipFill>
-              <a:blip r:embed="rId16"/>
+              <a:blip r:embed="rId17"/>
               <a:stretch>
                 <a:fillRect/>
               </a:stretch>
@@ -2008,7 +2431,7 @@
         </p:nvSpPr>
         <p:spPr>
           <a:xfrm>
-            <a:off x="2884071" y="14099743"/>
+            <a:off x="2856804" y="14543604"/>
             <a:ext cx="4442977" cy="1592487"/>
           </a:xfrm>
           <a:prstGeom prst="rect">
@@ -2042,9 +2465,9 @@
           </a:p>
         </p:txBody>
       </p:sp>
-      <mc:AlternateContent xmlns:mc="http://schemas.openxmlformats.org/markup-compatibility/2006">
-        <mc:Choice xmlns:p14="http://schemas.microsoft.com/office/powerpoint/2010/main" Requires="p14">
-          <p:contentPart p14:bwMode="auto" r:id="rId17">
+      <mc:AlternateContent xmlns:mc="http://schemas.openxmlformats.org/markup-compatibility/2006" xmlns:p14="http://schemas.microsoft.com/office/powerpoint/2010/main">
+        <mc:Choice Requires="p14">
+          <p:contentPart p14:bwMode="auto" r:id="rId18">
             <p14:nvContentPartPr>
               <p14:cNvPr id="52" name="Freihand 51">
                 <a:extLst>
@@ -2062,7 +2485,7 @@
             </p14:xfrm>
           </p:contentPart>
         </mc:Choice>
-        <mc:Fallback>
+        <mc:Fallback xmlns="">
           <p:pic>
             <p:nvPicPr>
               <p:cNvPr id="52" name="Freihand 51">
@@ -2076,7 +2499,7 @@
               <p:nvPr/>
             </p:nvPicPr>
             <p:blipFill>
-              <a:blip r:embed="rId18"/>
+              <a:blip r:embed="rId19"/>
               <a:stretch>
                 <a:fillRect/>
               </a:stretch>
@@ -2110,7 +2533,7 @@
         <p:spPr>
           <a:xfrm>
             <a:off x="3954031" y="7907871"/>
-            <a:ext cx="1019375" cy="5703032"/>
+            <a:ext cx="1040634" cy="5783014"/>
           </a:xfrm>
           <a:prstGeom prst="straightConnector1">
             <a:avLst/>
@@ -2270,10 +2693,10 @@
           <p:nvPr/>
         </p:nvPicPr>
         <p:blipFill>
-          <a:blip r:embed="rId19">
+          <a:blip r:embed="rId20">
             <a:extLst>
               <a:ext uri="{96DAC541-7B7A-43D3-8B79-37D633B846F1}">
-                <asvg:svgBlip xmlns:asvg="http://schemas.microsoft.com/office/drawing/2016/SVG/main" r:embed="rId20"/>
+                <asvg:svgBlip xmlns:asvg="http://schemas.microsoft.com/office/drawing/2016/SVG/main" r:embed="rId21"/>
               </a:ext>
             </a:extLst>
           </a:blip>
@@ -2395,8 +2818,8 @@
         </p:nvCxnSpPr>
         <p:spPr>
           <a:xfrm flipV="1">
-            <a:off x="7327048" y="14895986"/>
-            <a:ext cx="2050830" cy="1"/>
+            <a:off x="7299781" y="14895986"/>
+            <a:ext cx="2078097" cy="443862"/>
           </a:xfrm>
           <a:prstGeom prst="straightConnector1">
             <a:avLst/>
@@ -2434,8 +2857,138 @@
         </p:nvSpPr>
         <p:spPr>
           <a:xfrm>
-            <a:off x="16030053" y="9636871"/>
-            <a:ext cx="13836224" cy="8655446"/>
+            <a:off x="15696011" y="10663651"/>
+            <a:ext cx="14175578" cy="8890254"/>
+          </a:xfrm>
+          <a:prstGeom prst="rect">
+            <a:avLst/>
+          </a:prstGeom>
+          <a:noFill/>
+        </p:spPr>
+        <p:txBody>
+          <a:bodyPr wrap="square" rtlCol="0">
+            <a:spAutoFit/>
+          </a:bodyPr>
+          <a:lstStyle/>
+          <a:p>
+            <a:r>
+              <a:rPr lang="de-DE" sz="4800" dirty="0"/>
+              <a:t>Funktionen:</a:t>
+            </a:r>
+          </a:p>
+          <a:p>
+            <a:pPr marL="685800" indent="-685800">
+              <a:buFont typeface="Arial" panose="020B0604020202020204" pitchFamily="34" charset="0"/>
+              <a:buChar char="•"/>
+            </a:pPr>
+            <a:r>
+              <a:rPr lang="de-DE" sz="4000" dirty="0"/>
+              <a:t>Energie-autarkes System (nur Solarzellen)</a:t>
+            </a:r>
+          </a:p>
+          <a:p>
+            <a:pPr marL="685800" indent="-685800">
+              <a:buFont typeface="Arial" panose="020B0604020202020204" pitchFamily="34" charset="0"/>
+              <a:buChar char="•"/>
+            </a:pPr>
+            <a:r>
+              <a:rPr lang="de-DE" sz="4000" dirty="0"/>
+              <a:t>Modulares Wettersystem (verschiedene Sensor-Möglichkeiten)</a:t>
+            </a:r>
+          </a:p>
+          <a:p>
+            <a:pPr marL="685800" indent="-685800">
+              <a:buFont typeface="Arial" panose="020B0604020202020204" pitchFamily="34" charset="0"/>
+              <a:buChar char="•"/>
+            </a:pPr>
+            <a:r>
+              <a:rPr lang="de-DE" sz="4000" dirty="0"/>
+              <a:t>Einfache Verbindung zu anderen Geräten</a:t>
+            </a:r>
+          </a:p>
+          <a:p>
+            <a:pPr marL="685800" indent="-685800">
+              <a:buFont typeface="Arial" panose="020B0604020202020204" pitchFamily="34" charset="0"/>
+              <a:buChar char="•"/>
+            </a:pPr>
+            <a:r>
+              <a:rPr lang="de-DE" sz="4000" dirty="0"/>
+              <a:t>Live GPS-Empfang</a:t>
+            </a:r>
+          </a:p>
+          <a:p>
+            <a:pPr marL="685800" indent="-685800">
+              <a:buFont typeface="Arial" panose="020B0604020202020204" pitchFamily="34" charset="0"/>
+              <a:buChar char="•"/>
+            </a:pPr>
+            <a:r>
+              <a:rPr lang="de-DE" sz="4000" dirty="0"/>
+              <a:t>Kleines, tragbares und wasserdichtes Gehäuse</a:t>
+            </a:r>
+          </a:p>
+          <a:p>
+            <a:pPr marL="685800" indent="-685800">
+              <a:buFont typeface="Arial" panose="020B0604020202020204" pitchFamily="34" charset="0"/>
+              <a:buChar char="•"/>
+            </a:pPr>
+            <a:r>
+              <a:rPr lang="de-DE" sz="4000" dirty="0"/>
+              <a:t>Das ganze Projekt ist Open-Source und kann von jedem benutzerfreundlich verändert werden</a:t>
+            </a:r>
+          </a:p>
+          <a:p>
+            <a:pPr marL="685800" indent="-685800">
+              <a:buFont typeface="Arial" panose="020B0604020202020204" pitchFamily="34" charset="0"/>
+              <a:buChar char="•"/>
+            </a:pPr>
+            <a:endParaRPr lang="en-US" dirty="0"/>
+          </a:p>
+          <a:p>
+            <a:pPr marL="685800" indent="-685800">
+              <a:buFont typeface="Arial" panose="020B0604020202020204" pitchFamily="34" charset="0"/>
+              <a:buChar char="•"/>
+            </a:pPr>
+            <a:endParaRPr lang="en-US" dirty="0"/>
+          </a:p>
+          <a:p>
+            <a:pPr marL="685800" indent="-685800">
+              <a:buFont typeface="Arial" panose="020B0604020202020204" pitchFamily="34" charset="0"/>
+              <a:buChar char="•"/>
+            </a:pPr>
+            <a:endParaRPr lang="en-US" dirty="0"/>
+          </a:p>
+          <a:p>
+            <a:pPr marL="685800" indent="-685800">
+              <a:buFont typeface="Arial" panose="020B0604020202020204" pitchFamily="34" charset="0"/>
+              <a:buChar char="•"/>
+            </a:pPr>
+            <a:endParaRPr lang="en-US" dirty="0"/>
+          </a:p>
+          <a:p>
+            <a:pPr marL="685800" indent="-685800">
+              <a:buFont typeface="Arial" panose="020B0604020202020204" pitchFamily="34" charset="0"/>
+              <a:buChar char="•"/>
+            </a:pPr>
+            <a:endParaRPr lang="en-US" dirty="0"/>
+          </a:p>
+        </p:txBody>
+      </p:sp>
+      <p:sp>
+        <p:nvSpPr>
+          <p:cNvPr id="7" name="Textfeld 6">
+            <a:extLst>
+              <a:ext uri="{FF2B5EF4-FFF2-40B4-BE49-F238E27FC236}">
+                <a16:creationId xmlns:a16="http://schemas.microsoft.com/office/drawing/2014/main" id="{10B8C4C6-D040-4C0D-A423-123A2C08A39A}"/>
+              </a:ext>
+            </a:extLst>
+          </p:cNvPr>
+          <p:cNvSpPr txBox="1"/>
+          <p:nvPr/>
+        </p:nvSpPr>
+        <p:spPr>
+          <a:xfrm>
+            <a:off x="8188944" y="15837177"/>
+            <a:ext cx="4979697" cy="646331"/>
           </a:xfrm>
           <a:prstGeom prst="rect">
             <a:avLst/>
@@ -2449,109 +3002,9 @@
           <a:lstStyle/>
           <a:p>
             <a:r>
-              <a:rPr lang="en-US" dirty="0"/>
-              <a:t>FEATURES:</a:t>
-            </a:r>
-          </a:p>
-          <a:p>
-            <a:pPr marL="685800" indent="-685800">
-              <a:buFont typeface="Arial" panose="020B0604020202020204" pitchFamily="34" charset="0"/>
-              <a:buChar char="•"/>
-            </a:pPr>
-            <a:r>
-              <a:rPr lang="en-US" sz="4400" dirty="0"/>
-              <a:t>energy self-sufficient system (only solar power)</a:t>
-            </a:r>
-          </a:p>
-          <a:p>
-            <a:pPr marL="685800" indent="-685800">
-              <a:buFont typeface="Arial" panose="020B0604020202020204" pitchFamily="34" charset="0"/>
-              <a:buChar char="•"/>
-            </a:pPr>
-            <a:r>
-              <a:rPr lang="en-US" sz="4400" dirty="0"/>
-              <a:t>modular weather system (multiple sensor opportunities)</a:t>
-            </a:r>
-          </a:p>
-          <a:p>
-            <a:pPr marL="685800" indent="-685800">
-              <a:buFont typeface="Arial" panose="020B0604020202020204" pitchFamily="34" charset="0"/>
-              <a:buChar char="•"/>
-            </a:pPr>
-            <a:r>
-              <a:rPr lang="en-US" sz="4400" dirty="0"/>
-              <a:t>easy connection to other devices</a:t>
-            </a:r>
-          </a:p>
-          <a:p>
-            <a:pPr marL="685800" indent="-685800">
-              <a:buFont typeface="Arial" panose="020B0604020202020204" pitchFamily="34" charset="0"/>
-              <a:buChar char="•"/>
-            </a:pPr>
-            <a:r>
-              <a:rPr lang="en-US" sz="4400" dirty="0"/>
-              <a:t>live GPS-</a:t>
-            </a:r>
-            <a:r>
-              <a:rPr lang="en-US" sz="4400" dirty="0" err="1"/>
-              <a:t>receivement</a:t>
-            </a:r>
-            <a:endParaRPr lang="en-US" sz="4400" dirty="0"/>
-          </a:p>
-          <a:p>
-            <a:pPr marL="685800" indent="-685800">
-              <a:buFont typeface="Arial" panose="020B0604020202020204" pitchFamily="34" charset="0"/>
-              <a:buChar char="•"/>
-            </a:pPr>
-            <a:r>
-              <a:rPr lang="en-US" sz="4400" dirty="0"/>
-              <a:t>small, portable and water-resistant shell</a:t>
-            </a:r>
-          </a:p>
-          <a:p>
-            <a:pPr marL="685800" indent="-685800">
-              <a:buFont typeface="Arial" panose="020B0604020202020204" pitchFamily="34" charset="0"/>
-              <a:buChar char="•"/>
-            </a:pPr>
-            <a:r>
-              <a:rPr lang="en-US" sz="4400" dirty="0"/>
-              <a:t>all codes and hardware-configs are open-source</a:t>
-            </a:r>
-          </a:p>
-          <a:p>
-            <a:pPr marL="685800" indent="-685800">
-              <a:buFont typeface="Arial" panose="020B0604020202020204" pitchFamily="34" charset="0"/>
-              <a:buChar char="•"/>
-            </a:pPr>
-            <a:endParaRPr lang="en-US" dirty="0"/>
-          </a:p>
-          <a:p>
-            <a:pPr marL="685800" indent="-685800">
-              <a:buFont typeface="Arial" panose="020B0604020202020204" pitchFamily="34" charset="0"/>
-              <a:buChar char="•"/>
-            </a:pPr>
-            <a:endParaRPr lang="en-US" dirty="0"/>
-          </a:p>
-          <a:p>
-            <a:pPr marL="685800" indent="-685800">
-              <a:buFont typeface="Arial" panose="020B0604020202020204" pitchFamily="34" charset="0"/>
-              <a:buChar char="•"/>
-            </a:pPr>
-            <a:endParaRPr lang="en-US" dirty="0"/>
-          </a:p>
-          <a:p>
-            <a:pPr marL="685800" indent="-685800">
-              <a:buFont typeface="Arial" panose="020B0604020202020204" pitchFamily="34" charset="0"/>
-              <a:buChar char="•"/>
-            </a:pPr>
-            <a:endParaRPr lang="en-US" dirty="0"/>
-          </a:p>
-          <a:p>
-            <a:pPr marL="685800" indent="-685800">
-              <a:buFont typeface="Arial" panose="020B0604020202020204" pitchFamily="34" charset="0"/>
-              <a:buChar char="•"/>
-            </a:pPr>
-            <a:endParaRPr lang="en-US" dirty="0"/>
+              <a:rPr lang="de-DE" sz="3600" dirty="0"/>
+              <a:t>kabelloser Datenempfang</a:t>
+            </a:r>
           </a:p>
         </p:txBody>
       </p:sp>
@@ -2827,4 +3280,299 @@
     </a:ext>
   </a:extLst>
 </a:theme>
+</file>
+
+<file path=ppt/theme/theme2.xml><?xml version="1.0" encoding="utf-8"?>
+<a:theme xmlns:a="http://schemas.openxmlformats.org/drawingml/2006/main" name="Office">
+  <a:themeElements>
+    <a:clrScheme name="Office">
+      <a:dk1>
+        <a:sysClr val="windowText" lastClr="000000"/>
+      </a:dk1>
+      <a:lt1>
+        <a:sysClr val="window" lastClr="FFFFFF"/>
+      </a:lt1>
+      <a:dk2>
+        <a:srgbClr val="44546A"/>
+      </a:dk2>
+      <a:lt2>
+        <a:srgbClr val="E7E6E6"/>
+      </a:lt2>
+      <a:accent1>
+        <a:srgbClr val="4472C4"/>
+      </a:accent1>
+      <a:accent2>
+        <a:srgbClr val="ED7D31"/>
+      </a:accent2>
+      <a:accent3>
+        <a:srgbClr val="A5A5A5"/>
+      </a:accent3>
+      <a:accent4>
+        <a:srgbClr val="FFC000"/>
+      </a:accent4>
+      <a:accent5>
+        <a:srgbClr val="5B9BD5"/>
+      </a:accent5>
+      <a:accent6>
+        <a:srgbClr val="70AD47"/>
+      </a:accent6>
+      <a:hlink>
+        <a:srgbClr val="0563C1"/>
+      </a:hlink>
+      <a:folHlink>
+        <a:srgbClr val="954F72"/>
+      </a:folHlink>
+    </a:clrScheme>
+    <a:fontScheme name="Office">
+      <a:majorFont>
+        <a:latin typeface="Calibri Light" panose="020F0302020204030204"/>
+        <a:ea typeface=""/>
+        <a:cs typeface=""/>
+        <a:font script="Jpan" typeface="游ゴシック Light"/>
+        <a:font script="Hang" typeface="맑은 고딕"/>
+        <a:font script="Hans" typeface="等线 Light"/>
+        <a:font script="Hant" typeface="新細明體"/>
+        <a:font script="Arab" typeface="Times New Roman"/>
+        <a:font script="Hebr" typeface="Times New Roman"/>
+        <a:font script="Thai" typeface="Angsana New"/>
+        <a:font script="Ethi" typeface="Nyala"/>
+        <a:font script="Beng" typeface="Vrinda"/>
+        <a:font script="Gujr" typeface="Shruti"/>
+        <a:font script="Khmr" typeface="MoolBoran"/>
+        <a:font script="Knda" typeface="Tunga"/>
+        <a:font script="Guru" typeface="Raavi"/>
+        <a:font script="Cans" typeface="Euphemia"/>
+        <a:font script="Cher" typeface="Plantagenet Cherokee"/>
+        <a:font script="Yiii" typeface="Microsoft Yi Baiti"/>
+        <a:font script="Tibt" typeface="Microsoft Himalaya"/>
+        <a:font script="Thaa" typeface="MV Boli"/>
+        <a:font script="Deva" typeface="Mangal"/>
+        <a:font script="Telu" typeface="Gautami"/>
+        <a:font script="Taml" typeface="Latha"/>
+        <a:font script="Syrc" typeface="Estrangelo Edessa"/>
+        <a:font script="Orya" typeface="Kalinga"/>
+        <a:font script="Mlym" typeface="Kartika"/>
+        <a:font script="Laoo" typeface="DokChampa"/>
+        <a:font script="Sinh" typeface="Iskoola Pota"/>
+        <a:font script="Mong" typeface="Mongolian Baiti"/>
+        <a:font script="Viet" typeface="Times New Roman"/>
+        <a:font script="Uigh" typeface="Microsoft Uighur"/>
+        <a:font script="Geor" typeface="Sylfaen"/>
+        <a:font script="Armn" typeface="Arial"/>
+        <a:font script="Bugi" typeface="Leelawadee UI"/>
+        <a:font script="Bopo" typeface="Microsoft JhengHei"/>
+        <a:font script="Java" typeface="Javanese Text"/>
+        <a:font script="Lisu" typeface="Segoe UI"/>
+        <a:font script="Mymr" typeface="Myanmar Text"/>
+        <a:font script="Nkoo" typeface="Ebrima"/>
+        <a:font script="Olck" typeface="Nirmala UI"/>
+        <a:font script="Osma" typeface="Ebrima"/>
+        <a:font script="Phag" typeface="Phagspa"/>
+        <a:font script="Syrn" typeface="Estrangelo Edessa"/>
+        <a:font script="Syrj" typeface="Estrangelo Edessa"/>
+        <a:font script="Syre" typeface="Estrangelo Edessa"/>
+        <a:font script="Sora" typeface="Nirmala UI"/>
+        <a:font script="Tale" typeface="Microsoft Tai Le"/>
+        <a:font script="Talu" typeface="Microsoft New Tai Lue"/>
+        <a:font script="Tfng" typeface="Ebrima"/>
+      </a:majorFont>
+      <a:minorFont>
+        <a:latin typeface="Calibri" panose="020F0502020204030204"/>
+        <a:ea typeface=""/>
+        <a:cs typeface=""/>
+        <a:font script="Jpan" typeface="游ゴシック"/>
+        <a:font script="Hang" typeface="맑은 고딕"/>
+        <a:font script="Hans" typeface="等线"/>
+        <a:font script="Hant" typeface="新細明體"/>
+        <a:font script="Arab" typeface="Arial"/>
+        <a:font script="Hebr" typeface="Arial"/>
+        <a:font script="Thai" typeface="Cordia New"/>
+        <a:font script="Ethi" typeface="Nyala"/>
+        <a:font script="Beng" typeface="Vrinda"/>
+        <a:font script="Gujr" typeface="Shruti"/>
+        <a:font script="Khmr" typeface="DaunPenh"/>
+        <a:font script="Knda" typeface="Tunga"/>
+        <a:font script="Guru" typeface="Raavi"/>
+        <a:font script="Cans" typeface="Euphemia"/>
+        <a:font script="Cher" typeface="Plantagenet Cherokee"/>
+        <a:font script="Yiii" typeface="Microsoft Yi Baiti"/>
+        <a:font script="Tibt" typeface="Microsoft Himalaya"/>
+        <a:font script="Thaa" typeface="MV Boli"/>
+        <a:font script="Deva" typeface="Mangal"/>
+        <a:font script="Telu" typeface="Gautami"/>
+        <a:font script="Taml" typeface="Latha"/>
+        <a:font script="Syrc" typeface="Estrangelo Edessa"/>
+        <a:font script="Orya" typeface="Kalinga"/>
+        <a:font script="Mlym" typeface="Kartika"/>
+        <a:font script="Laoo" typeface="DokChampa"/>
+        <a:font script="Sinh" typeface="Iskoola Pota"/>
+        <a:font script="Mong" typeface="Mongolian Baiti"/>
+        <a:font script="Viet" typeface="Arial"/>
+        <a:font script="Uigh" typeface="Microsoft Uighur"/>
+        <a:font script="Geor" typeface="Sylfaen"/>
+        <a:font script="Armn" typeface="Arial"/>
+        <a:font script="Bugi" typeface="Leelawadee UI"/>
+        <a:font script="Bopo" typeface="Microsoft JhengHei"/>
+        <a:font script="Java" typeface="Javanese Text"/>
+        <a:font script="Lisu" typeface="Segoe UI"/>
+        <a:font script="Mymr" typeface="Myanmar Text"/>
+        <a:font script="Nkoo" typeface="Ebrima"/>
+        <a:font script="Olck" typeface="Nirmala UI"/>
+        <a:font script="Osma" typeface="Ebrima"/>
+        <a:font script="Phag" typeface="Phagspa"/>
+        <a:font script="Syrn" typeface="Estrangelo Edessa"/>
+        <a:font script="Syrj" typeface="Estrangelo Edessa"/>
+        <a:font script="Syre" typeface="Estrangelo Edessa"/>
+        <a:font script="Sora" typeface="Nirmala UI"/>
+        <a:font script="Tale" typeface="Microsoft Tai Le"/>
+        <a:font script="Talu" typeface="Microsoft New Tai Lue"/>
+        <a:font script="Tfng" typeface="Ebrima"/>
+      </a:minorFont>
+    </a:fontScheme>
+    <a:fmtScheme name="Office">
+      <a:fillStyleLst>
+        <a:solidFill>
+          <a:schemeClr val="phClr"/>
+        </a:solidFill>
+        <a:gradFill rotWithShape="1">
+          <a:gsLst>
+            <a:gs pos="0">
+              <a:schemeClr val="phClr">
+                <a:lumMod val="110000"/>
+                <a:satMod val="105000"/>
+                <a:tint val="67000"/>
+              </a:schemeClr>
+            </a:gs>
+            <a:gs pos="50000">
+              <a:schemeClr val="phClr">
+                <a:lumMod val="105000"/>
+                <a:satMod val="103000"/>
+                <a:tint val="73000"/>
+              </a:schemeClr>
+            </a:gs>
+            <a:gs pos="100000">
+              <a:schemeClr val="phClr">
+                <a:lumMod val="105000"/>
+                <a:satMod val="109000"/>
+                <a:tint val="81000"/>
+              </a:schemeClr>
+            </a:gs>
+          </a:gsLst>
+          <a:lin ang="5400000" scaled="0"/>
+        </a:gradFill>
+        <a:gradFill rotWithShape="1">
+          <a:gsLst>
+            <a:gs pos="0">
+              <a:schemeClr val="phClr">
+                <a:satMod val="103000"/>
+                <a:lumMod val="102000"/>
+                <a:tint val="94000"/>
+              </a:schemeClr>
+            </a:gs>
+            <a:gs pos="50000">
+              <a:schemeClr val="phClr">
+                <a:satMod val="110000"/>
+                <a:lumMod val="100000"/>
+                <a:shade val="100000"/>
+              </a:schemeClr>
+            </a:gs>
+            <a:gs pos="100000">
+              <a:schemeClr val="phClr">
+                <a:lumMod val="99000"/>
+                <a:satMod val="120000"/>
+                <a:shade val="78000"/>
+              </a:schemeClr>
+            </a:gs>
+          </a:gsLst>
+          <a:lin ang="5400000" scaled="0"/>
+        </a:gradFill>
+      </a:fillStyleLst>
+      <a:lnStyleLst>
+        <a:ln w="6350" cap="flat" cmpd="sng" algn="ctr">
+          <a:solidFill>
+            <a:schemeClr val="phClr"/>
+          </a:solidFill>
+          <a:prstDash val="solid"/>
+          <a:miter lim="800000"/>
+        </a:ln>
+        <a:ln w="12700" cap="flat" cmpd="sng" algn="ctr">
+          <a:solidFill>
+            <a:schemeClr val="phClr"/>
+          </a:solidFill>
+          <a:prstDash val="solid"/>
+          <a:miter lim="800000"/>
+        </a:ln>
+        <a:ln w="19050" cap="flat" cmpd="sng" algn="ctr">
+          <a:solidFill>
+            <a:schemeClr val="phClr"/>
+          </a:solidFill>
+          <a:prstDash val="solid"/>
+          <a:miter lim="800000"/>
+        </a:ln>
+      </a:lnStyleLst>
+      <a:effectStyleLst>
+        <a:effectStyle>
+          <a:effectLst/>
+        </a:effectStyle>
+        <a:effectStyle>
+          <a:effectLst/>
+        </a:effectStyle>
+        <a:effectStyle>
+          <a:effectLst>
+            <a:outerShdw blurRad="57150" dist="19050" dir="5400000" algn="ctr" rotWithShape="0">
+              <a:srgbClr val="000000">
+                <a:alpha val="63000"/>
+              </a:srgbClr>
+            </a:outerShdw>
+          </a:effectLst>
+        </a:effectStyle>
+      </a:effectStyleLst>
+      <a:bgFillStyleLst>
+        <a:solidFill>
+          <a:schemeClr val="phClr"/>
+        </a:solidFill>
+        <a:solidFill>
+          <a:schemeClr val="phClr">
+            <a:tint val="95000"/>
+            <a:satMod val="170000"/>
+          </a:schemeClr>
+        </a:solidFill>
+        <a:gradFill rotWithShape="1">
+          <a:gsLst>
+            <a:gs pos="0">
+              <a:schemeClr val="phClr">
+                <a:tint val="93000"/>
+                <a:satMod val="150000"/>
+                <a:shade val="98000"/>
+                <a:lumMod val="102000"/>
+              </a:schemeClr>
+            </a:gs>
+            <a:gs pos="50000">
+              <a:schemeClr val="phClr">
+                <a:tint val="98000"/>
+                <a:satMod val="130000"/>
+                <a:shade val="90000"/>
+                <a:lumMod val="103000"/>
+              </a:schemeClr>
+            </a:gs>
+            <a:gs pos="100000">
+              <a:schemeClr val="phClr">
+                <a:shade val="63000"/>
+                <a:satMod val="120000"/>
+              </a:schemeClr>
+            </a:gs>
+          </a:gsLst>
+          <a:lin ang="5400000" scaled="0"/>
+        </a:gradFill>
+      </a:bgFillStyleLst>
+    </a:fmtScheme>
+  </a:themeElements>
+  <a:objectDefaults/>
+  <a:extraClrSchemeLst/>
+  <a:extLst>
+    <a:ext uri="{05A4C25C-085E-4340-85A3-A5531E510DB2}">
+      <thm15:themeFamily xmlns:thm15="http://schemas.microsoft.com/office/thememl/2012/main" name="Office Theme" id="{62F939B6-93AF-4DB8-9C6B-D6C7DFDC589F}" vid="{4A3C46E8-61CC-4603-A589-7422A47A8E4A}"/>
+    </a:ext>
+  </a:extLst>
+</a:theme>
 </file>
--- a/Media/sunnyHome Plakat.pptx
+++ b/Media/sunnyHome Plakat.pptx
@@ -259,7 +259,7 @@
           <a:p>
             <a:fld id="{E66E1E39-366F-408E-8D11-4BE8EA6E0D50}" type="datetimeFigureOut">
               <a:rPr lang="de-DE" smtClean="0"/>
-              <a:t>29.11.2018</a:t>
+              <a:t>09.03.2019</a:t>
             </a:fld>
             <a:endParaRPr lang="de-DE"/>
           </a:p>
